--- a/Eliney - Apresentação do projeto DoceEncontro AF.pptx
+++ b/Eliney - Apresentação do projeto DoceEncontro AF.pptx
@@ -5,25 +5,28 @@
     <p:sldMasterId id="2147483648" r:id="rId1"/>
   </p:sldMasterIdLst>
   <p:notesMasterIdLst>
-    <p:notesMasterId r:id="rId8"/>
+    <p:notesMasterId r:id="rId11"/>
   </p:notesMasterIdLst>
   <p:sldIdLst>
     <p:sldId id="256" r:id="rId2"/>
     <p:sldId id="264" r:id="rId3"/>
     <p:sldId id="273" r:id="rId4"/>
-    <p:sldId id="310" r:id="rId5"/>
-    <p:sldId id="277" r:id="rId6"/>
-    <p:sldId id="282" r:id="rId7"/>
+    <p:sldId id="312" r:id="rId5"/>
+    <p:sldId id="313" r:id="rId6"/>
+    <p:sldId id="314" r:id="rId7"/>
+    <p:sldId id="277" r:id="rId8"/>
+    <p:sldId id="315" r:id="rId9"/>
+    <p:sldId id="282" r:id="rId10"/>
   </p:sldIdLst>
   <p:sldSz cx="18288000" cy="10287000"/>
   <p:notesSz cx="6858000" cy="9144000"/>
   <p:embeddedFontLst>
     <p:embeddedFont>
       <p:font typeface="Montserrat" panose="00000500000000000000" pitchFamily="2" charset="0"/>
-      <p:regular r:id="rId9"/>
-      <p:bold r:id="rId10"/>
-      <p:italic r:id="rId11"/>
-      <p:boldItalic r:id="rId12"/>
+      <p:regular r:id="rId12"/>
+      <p:bold r:id="rId13"/>
+      <p:italic r:id="rId14"/>
+      <p:boldItalic r:id="rId15"/>
     </p:embeddedFont>
   </p:embeddedFontLst>
   <p:defaultTextStyle>
@@ -380,7 +383,7 @@
           <a:p>
             <a:fld id="{7667DD0F-EFA1-45B4-94E4-C36DA9F7933D}" type="slidenum">
               <a:rPr lang="pt-BR" smtClean="0"/>
-              <a:t>‹nº›</a:t>
+              <a:t>‹#›</a:t>
             </a:fld>
             <a:endParaRPr lang="pt-BR"/>
           </a:p>
@@ -712,7 +715,7 @@
             <a:fld id="{B6F15528-21DE-4FAA-801E-634DDDAF4B2B}" type="slidenum">
               <a:rPr lang="en-US" smtClean="0"/>
               <a:pPr/>
-              <a:t>‹nº›</a:t>
+              <a:t>‹#›</a:t>
             </a:fld>
             <a:endParaRPr lang="en-US"/>
           </a:p>
@@ -877,7 +880,7 @@
             <a:fld id="{B6F15528-21DE-4FAA-801E-634DDDAF4B2B}" type="slidenum">
               <a:rPr lang="en-US" smtClean="0"/>
               <a:pPr/>
-              <a:t>‹nº›</a:t>
+              <a:t>‹#›</a:t>
             </a:fld>
             <a:endParaRPr lang="en-US"/>
           </a:p>
@@ -1052,7 +1055,7 @@
             <a:fld id="{B6F15528-21DE-4FAA-801E-634DDDAF4B2B}" type="slidenum">
               <a:rPr lang="en-US" smtClean="0"/>
               <a:pPr/>
-              <a:t>‹nº›</a:t>
+              <a:t>‹#›</a:t>
             </a:fld>
             <a:endParaRPr lang="en-US"/>
           </a:p>
@@ -1217,7 +1220,7 @@
             <a:fld id="{B6F15528-21DE-4FAA-801E-634DDDAF4B2B}" type="slidenum">
               <a:rPr lang="en-US" smtClean="0"/>
               <a:pPr/>
-              <a:t>‹nº›</a:t>
+              <a:t>‹#›</a:t>
             </a:fld>
             <a:endParaRPr lang="en-US"/>
           </a:p>
@@ -1459,7 +1462,7 @@
             <a:fld id="{B6F15528-21DE-4FAA-801E-634DDDAF4B2B}" type="slidenum">
               <a:rPr lang="en-US" smtClean="0"/>
               <a:pPr/>
-              <a:t>‹nº›</a:t>
+              <a:t>‹#›</a:t>
             </a:fld>
             <a:endParaRPr lang="en-US"/>
           </a:p>
@@ -1741,7 +1744,7 @@
             <a:fld id="{B6F15528-21DE-4FAA-801E-634DDDAF4B2B}" type="slidenum">
               <a:rPr lang="en-US" smtClean="0"/>
               <a:pPr/>
-              <a:t>‹nº›</a:t>
+              <a:t>‹#›</a:t>
             </a:fld>
             <a:endParaRPr lang="en-US"/>
           </a:p>
@@ -2157,7 +2160,7 @@
             <a:fld id="{B6F15528-21DE-4FAA-801E-634DDDAF4B2B}" type="slidenum">
               <a:rPr lang="en-US" smtClean="0"/>
               <a:pPr/>
-              <a:t>‹nº›</a:t>
+              <a:t>‹#›</a:t>
             </a:fld>
             <a:endParaRPr lang="en-US"/>
           </a:p>
@@ -2271,7 +2274,7 @@
             <a:fld id="{B6F15528-21DE-4FAA-801E-634DDDAF4B2B}" type="slidenum">
               <a:rPr lang="en-US" smtClean="0"/>
               <a:pPr/>
-              <a:t>‹nº›</a:t>
+              <a:t>‹#›</a:t>
             </a:fld>
             <a:endParaRPr lang="en-US"/>
           </a:p>
@@ -2363,7 +2366,7 @@
             <a:fld id="{B6F15528-21DE-4FAA-801E-634DDDAF4B2B}" type="slidenum">
               <a:rPr lang="en-US" smtClean="0"/>
               <a:pPr/>
-              <a:t>‹nº›</a:t>
+              <a:t>‹#›</a:t>
             </a:fld>
             <a:endParaRPr lang="en-US"/>
           </a:p>
@@ -2635,7 +2638,7 @@
             <a:fld id="{B6F15528-21DE-4FAA-801E-634DDDAF4B2B}" type="slidenum">
               <a:rPr lang="en-US" smtClean="0"/>
               <a:pPr/>
-              <a:t>‹nº›</a:t>
+              <a:t>‹#›</a:t>
             </a:fld>
             <a:endParaRPr lang="en-US"/>
           </a:p>
@@ -2884,7 +2887,7 @@
             <a:fld id="{B6F15528-21DE-4FAA-801E-634DDDAF4B2B}" type="slidenum">
               <a:rPr lang="en-US" smtClean="0"/>
               <a:pPr/>
-              <a:t>‹nº›</a:t>
+              <a:t>‹#›</a:t>
             </a:fld>
             <a:endParaRPr lang="en-US"/>
           </a:p>
@@ -3128,7 +3131,7 @@
             <a:fld id="{B6F15528-21DE-4FAA-801E-634DDDAF4B2B}" type="slidenum">
               <a:rPr lang="en-US" smtClean="0"/>
               <a:pPr/>
-              <a:t>‹nº›</a:t>
+              <a:t>‹#›</a:t>
             </a:fld>
             <a:endParaRPr lang="en-US"/>
           </a:p>
@@ -7268,7 +7271,7 @@
         <p:cNvPr id="1" name="">
           <a:extLst>
             <a:ext uri="{FF2B5EF4-FFF2-40B4-BE49-F238E27FC236}">
-              <a16:creationId xmlns:a16="http://schemas.microsoft.com/office/drawing/2014/main" id="{9E2DA966-136F-14B0-92B5-8039B278E991}"/>
+              <a16:creationId xmlns:a16="http://schemas.microsoft.com/office/drawing/2014/main" id="{08A599A1-F1CC-0314-90EC-479179246215}"/>
             </a:ext>
           </a:extLst>
         </p:cNvPr>
@@ -7288,7 +7291,7 @@
           <p:cNvPr id="6" name="TextBox 6">
             <a:extLst>
               <a:ext uri="{FF2B5EF4-FFF2-40B4-BE49-F238E27FC236}">
-                <a16:creationId xmlns:a16="http://schemas.microsoft.com/office/drawing/2014/main" id="{A3EBE6E5-BF95-53BB-7716-044E33C45B70}"/>
+                <a16:creationId xmlns:a16="http://schemas.microsoft.com/office/drawing/2014/main" id="{938BA6E7-1382-8859-FD39-3CCF839CA35B}"/>
               </a:ext>
             </a:extLst>
           </p:cNvPr>
@@ -7297,7 +7300,7 @@
         </p:nvSpPr>
         <p:spPr>
           <a:xfrm>
-            <a:off x="0" y="628573"/>
+            <a:off x="0" y="1148578"/>
             <a:ext cx="18288000" cy="934936"/>
           </a:xfrm>
           <a:prstGeom prst="rect">
@@ -7316,7 +7319,7 @@
               </a:lnSpc>
             </a:pPr>
             <a:r>
-              <a:rPr lang="en-US" sz="8561" spc="-565" dirty="0">
+              <a:rPr lang="en-US" sz="8561" spc="-565" dirty="0" err="1">
                 <a:solidFill>
                   <a:srgbClr val="FFFFFF"/>
                 </a:solidFill>
@@ -7325,8 +7328,17 @@
                 <a:cs typeface="Montserrat Ultra-Bold"/>
                 <a:sym typeface="Montserrat Ultra-Bold"/>
               </a:rPr>
-              <a:t>Trello</a:t>
-            </a:r>
+              <a:t>Problemas</a:t>
+            </a:r>
+            <a:endParaRPr lang="en-US" sz="8561" spc="-565" dirty="0">
+              <a:solidFill>
+                <a:srgbClr val="FFFFFF"/>
+              </a:solidFill>
+              <a:latin typeface="Montserrat" panose="00000500000000000000" pitchFamily="2" charset="0"/>
+              <a:ea typeface="Montserrat Ultra-Bold"/>
+              <a:cs typeface="Montserrat Ultra-Bold"/>
+              <a:sym typeface="Montserrat Ultra-Bold"/>
+            </a:endParaRPr>
           </a:p>
         </p:txBody>
       </p:sp>
@@ -7335,7 +7347,7 @@
           <p:cNvPr id="16" name="Freeform 16">
             <a:extLst>
               <a:ext uri="{FF2B5EF4-FFF2-40B4-BE49-F238E27FC236}">
-                <a16:creationId xmlns:a16="http://schemas.microsoft.com/office/drawing/2014/main" id="{67AD27CB-347E-23FE-78C6-EAE2F4C278AE}"/>
+                <a16:creationId xmlns:a16="http://schemas.microsoft.com/office/drawing/2014/main" id="{AA0C96F5-2F77-81C7-98FB-FEE3E0A84AC9}"/>
               </a:ext>
             </a:extLst>
           </p:cNvPr>
@@ -7344,7 +7356,7 @@
         </p:nvSpPr>
         <p:spPr>
           <a:xfrm rot="5400000">
-            <a:off x="-974961" y="-1958739"/>
+            <a:off x="-1889361" y="-1882539"/>
             <a:ext cx="4307057" cy="2357135"/>
           </a:xfrm>
           <a:custGeom>
@@ -7400,7 +7412,7 @@
           <p:cNvPr id="17" name="Freeform 17">
             <a:extLst>
               <a:ext uri="{FF2B5EF4-FFF2-40B4-BE49-F238E27FC236}">
-                <a16:creationId xmlns:a16="http://schemas.microsoft.com/office/drawing/2014/main" id="{DFA47090-4359-7B11-6544-547471EA9896}"/>
+                <a16:creationId xmlns:a16="http://schemas.microsoft.com/office/drawing/2014/main" id="{5A8431A1-3D70-A8F6-52DB-C772AA0DC22C}"/>
               </a:ext>
             </a:extLst>
           </p:cNvPr>
@@ -7409,7 +7421,7 @@
         </p:nvSpPr>
         <p:spPr>
           <a:xfrm rot="5400000">
-            <a:off x="1194446" y="8056318"/>
+            <a:off x="1795300" y="8073945"/>
             <a:ext cx="835508" cy="2368709"/>
           </a:xfrm>
           <a:custGeom>
@@ -7465,7 +7477,7 @@
           <p:cNvPr id="18" name="Freeform 18">
             <a:extLst>
               <a:ext uri="{FF2B5EF4-FFF2-40B4-BE49-F238E27FC236}">
-                <a16:creationId xmlns:a16="http://schemas.microsoft.com/office/drawing/2014/main" id="{532AEFA9-B748-9EA8-1283-668E594695C0}"/>
+                <a16:creationId xmlns:a16="http://schemas.microsoft.com/office/drawing/2014/main" id="{DEB69620-D95D-60FC-680F-664A85A7C34D}"/>
               </a:ext>
             </a:extLst>
           </p:cNvPr>
@@ -7474,7 +7486,7 @@
         </p:nvSpPr>
         <p:spPr>
           <a:xfrm rot="5400000">
-            <a:off x="15331839" y="10157061"/>
+            <a:off x="14516483" y="10031772"/>
             <a:ext cx="4307057" cy="2357135"/>
           </a:xfrm>
           <a:custGeom>
@@ -7525,51 +7537,119 @@
           </a:p>
         </p:txBody>
       </p:sp>
-      <p:pic>
-        <p:nvPicPr>
-          <p:cNvPr id="3" name="Imagem 2">
+      <p:sp>
+        <p:nvSpPr>
+          <p:cNvPr id="7" name="TextBox 7">
             <a:extLst>
               <a:ext uri="{FF2B5EF4-FFF2-40B4-BE49-F238E27FC236}">
-                <a16:creationId xmlns:a16="http://schemas.microsoft.com/office/drawing/2014/main" id="{66D9FEDD-9BC3-2D3D-2943-4FD758C4307E}"/>
+                <a16:creationId xmlns:a16="http://schemas.microsoft.com/office/drawing/2014/main" id="{9F2AE28D-CE65-7712-FA45-103284801005}"/>
               </a:ext>
             </a:extLst>
           </p:cNvPr>
-          <p:cNvPicPr>
-            <a:picLocks noChangeAspect="1"/>
-          </p:cNvPicPr>
+          <p:cNvSpPr txBox="1"/>
           <p:nvPr/>
-        </p:nvPicPr>
-        <p:blipFill>
-          <a:blip r:embed="rId6">
-            <a:extLst>
-              <a:ext uri="{28A0092B-C50C-407E-A947-70E740481C1C}">
-                <a14:useLocalDpi xmlns:a14="http://schemas.microsoft.com/office/drawing/2010/main" val="0"/>
-              </a:ext>
-            </a:extLst>
-          </a:blip>
-          <a:stretch>
-            <a:fillRect/>
-          </a:stretch>
-        </p:blipFill>
+        </p:nvSpPr>
         <p:spPr>
           <a:xfrm>
-            <a:off x="1913888" y="1908420"/>
-            <a:ext cx="14460223" cy="6664080"/>
+            <a:off x="2213054" y="2857500"/>
+            <a:ext cx="14478000" cy="3011017"/>
           </a:xfrm>
           <a:prstGeom prst="rect">
             <a:avLst/>
           </a:prstGeom>
-          <a:ln w="38100">
-            <a:solidFill>
-              <a:schemeClr val="bg1"/>
-            </a:solidFill>
-          </a:ln>
         </p:spPr>
-      </p:pic>
+        <p:txBody>
+          <a:bodyPr wrap="square" lIns="0" tIns="0" rIns="0" bIns="0" rtlCol="0" anchor="t">
+            <a:spAutoFit/>
+          </a:bodyPr>
+          <a:lstStyle/>
+          <a:p>
+            <a:pPr marL="457200" indent="-457200">
+              <a:lnSpc>
+                <a:spcPts val="6118"/>
+              </a:lnSpc>
+              <a:buFont typeface="Arial" panose="020B0604020202020204" pitchFamily="34" charset="0"/>
+              <a:buChar char="•"/>
+            </a:pPr>
+            <a:endParaRPr lang="pt-BR" sz="2447" b="1" dirty="0">
+              <a:solidFill>
+                <a:schemeClr val="bg1"/>
+              </a:solidFill>
+              <a:latin typeface="Montserrat" panose="00000500000000000000" pitchFamily="2" charset="0"/>
+              <a:ea typeface="Montserrat Bold"/>
+              <a:cs typeface="Montserrat Bold"/>
+              <a:sym typeface="Montserrat Bold"/>
+            </a:endParaRPr>
+          </a:p>
+          <a:p>
+            <a:pPr marL="457200" indent="-457200">
+              <a:lnSpc>
+                <a:spcPts val="6118"/>
+              </a:lnSpc>
+              <a:buFont typeface="Arial" panose="020B0604020202020204" pitchFamily="34" charset="0"/>
+              <a:buChar char="•"/>
+            </a:pPr>
+            <a:r>
+              <a:rPr lang="pt-BR" sz="2447" b="1" dirty="0">
+                <a:solidFill>
+                  <a:schemeClr val="bg1"/>
+                </a:solidFill>
+                <a:latin typeface="Montserrat" panose="00000500000000000000" pitchFamily="2" charset="0"/>
+                <a:ea typeface="Montserrat Bold"/>
+                <a:cs typeface="Montserrat Bold"/>
+                <a:sym typeface="Montserrat Bold"/>
+              </a:rPr>
+              <a:t>Gestantes enfrentam dificuldades para organizar chás de bebê e eventos similares.</a:t>
+            </a:r>
+          </a:p>
+          <a:p>
+            <a:pPr marL="457200" indent="-457200">
+              <a:lnSpc>
+                <a:spcPts val="6118"/>
+              </a:lnSpc>
+              <a:buFont typeface="Arial" panose="020B0604020202020204" pitchFamily="34" charset="0"/>
+              <a:buChar char="•"/>
+            </a:pPr>
+            <a:r>
+              <a:rPr lang="pt-BR" sz="2447" b="1" dirty="0">
+                <a:solidFill>
+                  <a:schemeClr val="bg1"/>
+                </a:solidFill>
+                <a:latin typeface="Montserrat" panose="00000500000000000000" pitchFamily="2" charset="0"/>
+                <a:ea typeface="Montserrat Bold"/>
+                <a:cs typeface="Montserrat Bold"/>
+                <a:sym typeface="Montserrat Bold"/>
+              </a:rPr>
+              <a:t>Falta de centralização de informações, listas de presentes e convites.</a:t>
+            </a:r>
+          </a:p>
+          <a:p>
+            <a:pPr marL="457200" indent="-457200">
+              <a:lnSpc>
+                <a:spcPts val="6118"/>
+              </a:lnSpc>
+              <a:buFont typeface="Arial" panose="020B0604020202020204" pitchFamily="34" charset="0"/>
+              <a:buChar char="•"/>
+            </a:pPr>
+            <a:r>
+              <a:rPr lang="pt-BR" sz="2447" b="1" dirty="0">
+                <a:solidFill>
+                  <a:schemeClr val="bg1"/>
+                </a:solidFill>
+                <a:latin typeface="Montserrat" panose="00000500000000000000" pitchFamily="2" charset="0"/>
+                <a:ea typeface="Montserrat Bold"/>
+                <a:cs typeface="Montserrat Bold"/>
+                <a:sym typeface="Montserrat Bold"/>
+              </a:rPr>
+              <a:t>Pouca praticidade e acessibilidade em soluções atuais.</a:t>
+            </a:r>
+          </a:p>
+        </p:txBody>
+      </p:sp>
     </p:spTree>
     <p:extLst>
       <p:ext uri="{BB962C8B-B14F-4D97-AF65-F5344CB8AC3E}">
-        <p14:creationId xmlns:p14="http://schemas.microsoft.com/office/powerpoint/2010/main" val="583181228"/>
+        <p14:creationId xmlns:p14="http://schemas.microsoft.com/office/powerpoint/2010/main" val="3241446909"/>
       </p:ext>
     </p:extLst>
   </p:cSld>
@@ -7580,6 +7660,989 @@
 </file>
 
 <file path=ppt/slides/slide5.xml><?xml version="1.0" encoding="utf-8"?>
+<p:sld xmlns:a="http://schemas.openxmlformats.org/drawingml/2006/main" xmlns:r="http://schemas.openxmlformats.org/officeDocument/2006/relationships" xmlns:p="http://schemas.openxmlformats.org/presentationml/2006/main">
+  <p:cSld>
+    <p:bg>
+      <p:bgPr>
+        <a:solidFill>
+          <a:schemeClr val="tx2">
+            <a:lumMod val="50000"/>
+          </a:schemeClr>
+        </a:solidFill>
+        <a:effectLst/>
+      </p:bgPr>
+    </p:bg>
+    <p:spTree>
+      <p:nvGrpSpPr>
+        <p:cNvPr id="1" name="">
+          <a:extLst>
+            <a:ext uri="{FF2B5EF4-FFF2-40B4-BE49-F238E27FC236}">
+              <a16:creationId xmlns:a16="http://schemas.microsoft.com/office/drawing/2014/main" id="{773B40F5-71CC-B32C-4BE0-FA7AF60D0305}"/>
+            </a:ext>
+          </a:extLst>
+        </p:cNvPr>
+        <p:cNvGrpSpPr/>
+        <p:nvPr/>
+      </p:nvGrpSpPr>
+      <p:grpSpPr>
+        <a:xfrm>
+          <a:off x="0" y="0"/>
+          <a:ext cx="0" cy="0"/>
+          <a:chOff x="0" y="0"/>
+          <a:chExt cx="0" cy="0"/>
+        </a:xfrm>
+      </p:grpSpPr>
+      <p:sp>
+        <p:nvSpPr>
+          <p:cNvPr id="6" name="TextBox 6">
+            <a:extLst>
+              <a:ext uri="{FF2B5EF4-FFF2-40B4-BE49-F238E27FC236}">
+                <a16:creationId xmlns:a16="http://schemas.microsoft.com/office/drawing/2014/main" id="{36811681-FA83-DED5-D9F4-89C9D0DB8531}"/>
+              </a:ext>
+            </a:extLst>
+          </p:cNvPr>
+          <p:cNvSpPr txBox="1"/>
+          <p:nvPr/>
+        </p:nvSpPr>
+        <p:spPr>
+          <a:xfrm>
+            <a:off x="0" y="1148578"/>
+            <a:ext cx="18288000" cy="934936"/>
+          </a:xfrm>
+          <a:prstGeom prst="rect">
+            <a:avLst/>
+          </a:prstGeom>
+        </p:spPr>
+        <p:txBody>
+          <a:bodyPr wrap="square" lIns="0" tIns="0" rIns="0" bIns="0" rtlCol="0" anchor="t">
+            <a:spAutoFit/>
+          </a:bodyPr>
+          <a:lstStyle/>
+          <a:p>
+            <a:pPr algn="ctr">
+              <a:lnSpc>
+                <a:spcPts val="6934"/>
+              </a:lnSpc>
+            </a:pPr>
+            <a:r>
+              <a:rPr lang="en-US" sz="8561" spc="-565" dirty="0" err="1">
+                <a:solidFill>
+                  <a:srgbClr val="FFFFFF"/>
+                </a:solidFill>
+                <a:latin typeface="Montserrat" panose="00000500000000000000" pitchFamily="2" charset="0"/>
+                <a:ea typeface="Montserrat Ultra-Bold"/>
+                <a:cs typeface="Montserrat Ultra-Bold"/>
+                <a:sym typeface="Montserrat Ultra-Bold"/>
+              </a:rPr>
+              <a:t>Nossa</a:t>
+            </a:r>
+            <a:r>
+              <a:rPr lang="en-US" sz="8561" spc="-565" dirty="0">
+                <a:solidFill>
+                  <a:srgbClr val="FFFFFF"/>
+                </a:solidFill>
+                <a:latin typeface="Montserrat" panose="00000500000000000000" pitchFamily="2" charset="0"/>
+                <a:ea typeface="Montserrat Ultra-Bold"/>
+                <a:cs typeface="Montserrat Ultra-Bold"/>
+                <a:sym typeface="Montserrat Ultra-Bold"/>
+              </a:rPr>
+              <a:t> </a:t>
+            </a:r>
+            <a:r>
+              <a:rPr lang="en-US" sz="8561" spc="-565" dirty="0" err="1">
+                <a:solidFill>
+                  <a:srgbClr val="FFFFFF"/>
+                </a:solidFill>
+                <a:latin typeface="Montserrat" panose="00000500000000000000" pitchFamily="2" charset="0"/>
+                <a:ea typeface="Montserrat Ultra-Bold"/>
+                <a:cs typeface="Montserrat Ultra-Bold"/>
+                <a:sym typeface="Montserrat Ultra-Bold"/>
+              </a:rPr>
+              <a:t>Solução</a:t>
+            </a:r>
+            <a:endParaRPr lang="en-US" sz="8561" spc="-565" dirty="0">
+              <a:solidFill>
+                <a:srgbClr val="FFFFFF"/>
+              </a:solidFill>
+              <a:latin typeface="Montserrat" panose="00000500000000000000" pitchFamily="2" charset="0"/>
+              <a:ea typeface="Montserrat Ultra-Bold"/>
+              <a:cs typeface="Montserrat Ultra-Bold"/>
+              <a:sym typeface="Montserrat Ultra-Bold"/>
+            </a:endParaRPr>
+          </a:p>
+        </p:txBody>
+      </p:sp>
+      <p:sp>
+        <p:nvSpPr>
+          <p:cNvPr id="16" name="Freeform 16">
+            <a:extLst>
+              <a:ext uri="{FF2B5EF4-FFF2-40B4-BE49-F238E27FC236}">
+                <a16:creationId xmlns:a16="http://schemas.microsoft.com/office/drawing/2014/main" id="{80A393C5-F724-CEC4-C86B-C678D573C00F}"/>
+              </a:ext>
+            </a:extLst>
+          </p:cNvPr>
+          <p:cNvSpPr/>
+          <p:nvPr/>
+        </p:nvSpPr>
+        <p:spPr>
+          <a:xfrm rot="5400000">
+            <a:off x="-1889361" y="-1882539"/>
+            <a:ext cx="4307057" cy="2357135"/>
+          </a:xfrm>
+          <a:custGeom>
+            <a:avLst/>
+            <a:gdLst/>
+            <a:ahLst/>
+            <a:cxnLst/>
+            <a:rect l="l" t="t" r="r" b="b"/>
+            <a:pathLst>
+              <a:path w="4307057" h="2357135">
+                <a:moveTo>
+                  <a:pt x="0" y="0"/>
+                </a:moveTo>
+                <a:lnTo>
+                  <a:pt x="4307057" y="0"/>
+                </a:lnTo>
+                <a:lnTo>
+                  <a:pt x="4307057" y="2357135"/>
+                </a:lnTo>
+                <a:lnTo>
+                  <a:pt x="0" y="2357135"/>
+                </a:lnTo>
+                <a:lnTo>
+                  <a:pt x="0" y="0"/>
+                </a:lnTo>
+                <a:close/>
+              </a:path>
+            </a:pathLst>
+          </a:custGeom>
+          <a:blipFill>
+            <a:blip r:embed="rId2">
+              <a:extLst>
+                <a:ext uri="{96DAC541-7B7A-43D3-8B79-37D633B846F1}">
+                  <asvg:svgBlip xmlns:asvg="http://schemas.microsoft.com/office/drawing/2016/SVG/main" r:embed="rId3"/>
+                </a:ext>
+              </a:extLst>
+            </a:blip>
+            <a:stretch>
+              <a:fillRect/>
+            </a:stretch>
+          </a:blipFill>
+        </p:spPr>
+        <p:txBody>
+          <a:bodyPr/>
+          <a:lstStyle/>
+          <a:p>
+            <a:endParaRPr lang="pt-BR"/>
+          </a:p>
+        </p:txBody>
+      </p:sp>
+      <p:sp>
+        <p:nvSpPr>
+          <p:cNvPr id="17" name="Freeform 17">
+            <a:extLst>
+              <a:ext uri="{FF2B5EF4-FFF2-40B4-BE49-F238E27FC236}">
+                <a16:creationId xmlns:a16="http://schemas.microsoft.com/office/drawing/2014/main" id="{AF198916-294E-BFAD-5AA2-D80D17D0202A}"/>
+              </a:ext>
+            </a:extLst>
+          </p:cNvPr>
+          <p:cNvSpPr/>
+          <p:nvPr/>
+        </p:nvSpPr>
+        <p:spPr>
+          <a:xfrm rot="5400000">
+            <a:off x="1795300" y="8073945"/>
+            <a:ext cx="835508" cy="2368709"/>
+          </a:xfrm>
+          <a:custGeom>
+            <a:avLst/>
+            <a:gdLst/>
+            <a:ahLst/>
+            <a:cxnLst/>
+            <a:rect l="l" t="t" r="r" b="b"/>
+            <a:pathLst>
+              <a:path w="835508" h="2368709">
+                <a:moveTo>
+                  <a:pt x="0" y="0"/>
+                </a:moveTo>
+                <a:lnTo>
+                  <a:pt x="835509" y="0"/>
+                </a:lnTo>
+                <a:lnTo>
+                  <a:pt x="835509" y="2368710"/>
+                </a:lnTo>
+                <a:lnTo>
+                  <a:pt x="0" y="2368710"/>
+                </a:lnTo>
+                <a:lnTo>
+                  <a:pt x="0" y="0"/>
+                </a:lnTo>
+                <a:close/>
+              </a:path>
+            </a:pathLst>
+          </a:custGeom>
+          <a:blipFill>
+            <a:blip r:embed="rId4">
+              <a:extLst>
+                <a:ext uri="{96DAC541-7B7A-43D3-8B79-37D633B846F1}">
+                  <asvg:svgBlip xmlns:asvg="http://schemas.microsoft.com/office/drawing/2016/SVG/main" r:embed="rId5"/>
+                </a:ext>
+              </a:extLst>
+            </a:blip>
+            <a:stretch>
+              <a:fillRect/>
+            </a:stretch>
+          </a:blipFill>
+        </p:spPr>
+        <p:txBody>
+          <a:bodyPr/>
+          <a:lstStyle/>
+          <a:p>
+            <a:endParaRPr lang="pt-BR"/>
+          </a:p>
+        </p:txBody>
+      </p:sp>
+      <p:sp>
+        <p:nvSpPr>
+          <p:cNvPr id="18" name="Freeform 18">
+            <a:extLst>
+              <a:ext uri="{FF2B5EF4-FFF2-40B4-BE49-F238E27FC236}">
+                <a16:creationId xmlns:a16="http://schemas.microsoft.com/office/drawing/2014/main" id="{387C7382-1111-266B-E3F4-0553220E8C5E}"/>
+              </a:ext>
+            </a:extLst>
+          </p:cNvPr>
+          <p:cNvSpPr/>
+          <p:nvPr/>
+        </p:nvSpPr>
+        <p:spPr>
+          <a:xfrm rot="5400000">
+            <a:off x="14516483" y="10031772"/>
+            <a:ext cx="4307057" cy="2357135"/>
+          </a:xfrm>
+          <a:custGeom>
+            <a:avLst/>
+            <a:gdLst/>
+            <a:ahLst/>
+            <a:cxnLst/>
+            <a:rect l="l" t="t" r="r" b="b"/>
+            <a:pathLst>
+              <a:path w="4307057" h="2357135">
+                <a:moveTo>
+                  <a:pt x="0" y="0"/>
+                </a:moveTo>
+                <a:lnTo>
+                  <a:pt x="4307057" y="0"/>
+                </a:lnTo>
+                <a:lnTo>
+                  <a:pt x="4307057" y="2357135"/>
+                </a:lnTo>
+                <a:lnTo>
+                  <a:pt x="0" y="2357135"/>
+                </a:lnTo>
+                <a:lnTo>
+                  <a:pt x="0" y="0"/>
+                </a:lnTo>
+                <a:close/>
+              </a:path>
+            </a:pathLst>
+          </a:custGeom>
+          <a:blipFill>
+            <a:blip r:embed="rId2">
+              <a:extLst>
+                <a:ext uri="{96DAC541-7B7A-43D3-8B79-37D633B846F1}">
+                  <asvg:svgBlip xmlns:asvg="http://schemas.microsoft.com/office/drawing/2016/SVG/main" r:embed="rId3"/>
+                </a:ext>
+              </a:extLst>
+            </a:blip>
+            <a:stretch>
+              <a:fillRect/>
+            </a:stretch>
+          </a:blipFill>
+        </p:spPr>
+        <p:txBody>
+          <a:bodyPr/>
+          <a:lstStyle/>
+          <a:p>
+            <a:endParaRPr lang="pt-BR"/>
+          </a:p>
+        </p:txBody>
+      </p:sp>
+      <p:sp>
+        <p:nvSpPr>
+          <p:cNvPr id="7" name="TextBox 7">
+            <a:extLst>
+              <a:ext uri="{FF2B5EF4-FFF2-40B4-BE49-F238E27FC236}">
+                <a16:creationId xmlns:a16="http://schemas.microsoft.com/office/drawing/2014/main" id="{3AF9339E-AEA7-2A62-C5FE-C642B72205EA}"/>
+              </a:ext>
+            </a:extLst>
+          </p:cNvPr>
+          <p:cNvSpPr txBox="1"/>
+          <p:nvPr/>
+        </p:nvSpPr>
+        <p:spPr>
+          <a:xfrm>
+            <a:off x="2213054" y="2857500"/>
+            <a:ext cx="14478000" cy="3011017"/>
+          </a:xfrm>
+          <a:prstGeom prst="rect">
+            <a:avLst/>
+          </a:prstGeom>
+        </p:spPr>
+        <p:txBody>
+          <a:bodyPr wrap="square" lIns="0" tIns="0" rIns="0" bIns="0" rtlCol="0" anchor="t">
+            <a:spAutoFit/>
+          </a:bodyPr>
+          <a:lstStyle/>
+          <a:p>
+            <a:pPr marL="457200" indent="-457200">
+              <a:lnSpc>
+                <a:spcPts val="6118"/>
+              </a:lnSpc>
+              <a:buFont typeface="Arial" panose="020B0604020202020204" pitchFamily="34" charset="0"/>
+              <a:buChar char="•"/>
+            </a:pPr>
+            <a:endParaRPr lang="pt-BR" sz="2447" b="1" dirty="0">
+              <a:solidFill>
+                <a:schemeClr val="bg1"/>
+              </a:solidFill>
+              <a:latin typeface="Montserrat" panose="00000500000000000000" pitchFamily="2" charset="0"/>
+              <a:ea typeface="Montserrat Bold"/>
+              <a:cs typeface="Montserrat Bold"/>
+              <a:sym typeface="Montserrat Bold"/>
+            </a:endParaRPr>
+          </a:p>
+          <a:p>
+            <a:pPr marL="457200" indent="-457200">
+              <a:lnSpc>
+                <a:spcPts val="6118"/>
+              </a:lnSpc>
+              <a:buFont typeface="Arial" panose="020B0604020202020204" pitchFamily="34" charset="0"/>
+              <a:buChar char="•"/>
+            </a:pPr>
+            <a:r>
+              <a:rPr lang="pt-BR" sz="2447" b="1" dirty="0">
+                <a:solidFill>
+                  <a:schemeClr val="bg1"/>
+                </a:solidFill>
+                <a:latin typeface="Montserrat" panose="00000500000000000000" pitchFamily="2" charset="0"/>
+                <a:ea typeface="Montserrat Bold"/>
+                <a:cs typeface="Montserrat Bold"/>
+                <a:sym typeface="Montserrat Bold"/>
+              </a:rPr>
+              <a:t>Aplicativo mobile para organizar, inicialmente: Chás de Bebê, Revelação e Fraldas.</a:t>
+            </a:r>
+          </a:p>
+          <a:p>
+            <a:pPr marL="457200" indent="-457200">
+              <a:lnSpc>
+                <a:spcPts val="6118"/>
+              </a:lnSpc>
+              <a:buFont typeface="Arial" panose="020B0604020202020204" pitchFamily="34" charset="0"/>
+              <a:buChar char="•"/>
+            </a:pPr>
+            <a:r>
+              <a:rPr lang="pt-BR" sz="2447" b="1" dirty="0">
+                <a:solidFill>
+                  <a:schemeClr val="bg1"/>
+                </a:solidFill>
+                <a:latin typeface="Montserrat" panose="00000500000000000000" pitchFamily="2" charset="0"/>
+                <a:ea typeface="Montserrat Bold"/>
+                <a:cs typeface="Montserrat Bold"/>
+                <a:sym typeface="Montserrat Bold"/>
+              </a:rPr>
+              <a:t>Criação, personalização e acessibilidade de eventos em poucos cliques.</a:t>
+            </a:r>
+          </a:p>
+          <a:p>
+            <a:pPr marL="457200" indent="-457200">
+              <a:lnSpc>
+                <a:spcPts val="6118"/>
+              </a:lnSpc>
+              <a:buFont typeface="Arial" panose="020B0604020202020204" pitchFamily="34" charset="0"/>
+              <a:buChar char="•"/>
+            </a:pPr>
+            <a:r>
+              <a:rPr lang="pt-BR" sz="2447" b="1" dirty="0">
+                <a:solidFill>
+                  <a:schemeClr val="bg1"/>
+                </a:solidFill>
+                <a:latin typeface="Montserrat" panose="00000500000000000000" pitchFamily="2" charset="0"/>
+                <a:ea typeface="Montserrat Bold"/>
+                <a:cs typeface="Montserrat Bold"/>
+                <a:sym typeface="Montserrat Bold"/>
+              </a:rPr>
+              <a:t>Listas de presentes, convidados, mapa para a localização e muito mais.</a:t>
+            </a:r>
+          </a:p>
+        </p:txBody>
+      </p:sp>
+    </p:spTree>
+    <p:extLst>
+      <p:ext uri="{BB962C8B-B14F-4D97-AF65-F5344CB8AC3E}">
+        <p14:creationId xmlns:p14="http://schemas.microsoft.com/office/powerpoint/2010/main" val="2841340141"/>
+      </p:ext>
+    </p:extLst>
+  </p:cSld>
+  <p:clrMapOvr>
+    <a:masterClrMapping/>
+  </p:clrMapOvr>
+</p:sld>
+</file>
+
+<file path=ppt/slides/slide6.xml><?xml version="1.0" encoding="utf-8"?>
+<p:sld xmlns:a="http://schemas.openxmlformats.org/drawingml/2006/main" xmlns:r="http://schemas.openxmlformats.org/officeDocument/2006/relationships" xmlns:p="http://schemas.openxmlformats.org/presentationml/2006/main">
+  <p:cSld>
+    <p:bg>
+      <p:bgPr>
+        <a:solidFill>
+          <a:schemeClr val="tx2">
+            <a:lumMod val="50000"/>
+          </a:schemeClr>
+        </a:solidFill>
+        <a:effectLst/>
+      </p:bgPr>
+    </p:bg>
+    <p:spTree>
+      <p:nvGrpSpPr>
+        <p:cNvPr id="1" name="">
+          <a:extLst>
+            <a:ext uri="{FF2B5EF4-FFF2-40B4-BE49-F238E27FC236}">
+              <a16:creationId xmlns:a16="http://schemas.microsoft.com/office/drawing/2014/main" id="{A168973B-CB08-8E74-645F-DA3AB74E49BF}"/>
+            </a:ext>
+          </a:extLst>
+        </p:cNvPr>
+        <p:cNvGrpSpPr/>
+        <p:nvPr/>
+      </p:nvGrpSpPr>
+      <p:grpSpPr>
+        <a:xfrm>
+          <a:off x="0" y="0"/>
+          <a:ext cx="0" cy="0"/>
+          <a:chOff x="0" y="0"/>
+          <a:chExt cx="0" cy="0"/>
+        </a:xfrm>
+      </p:grpSpPr>
+      <p:sp>
+        <p:nvSpPr>
+          <p:cNvPr id="6" name="TextBox 6">
+            <a:extLst>
+              <a:ext uri="{FF2B5EF4-FFF2-40B4-BE49-F238E27FC236}">
+                <a16:creationId xmlns:a16="http://schemas.microsoft.com/office/drawing/2014/main" id="{59004D58-8B15-0CC5-B1A4-655A3D17261E}"/>
+              </a:ext>
+            </a:extLst>
+          </p:cNvPr>
+          <p:cNvSpPr txBox="1"/>
+          <p:nvPr/>
+        </p:nvSpPr>
+        <p:spPr>
+          <a:xfrm>
+            <a:off x="0" y="571500"/>
+            <a:ext cx="18288000" cy="934936"/>
+          </a:xfrm>
+          <a:prstGeom prst="rect">
+            <a:avLst/>
+          </a:prstGeom>
+        </p:spPr>
+        <p:txBody>
+          <a:bodyPr wrap="square" lIns="0" tIns="0" rIns="0" bIns="0" rtlCol="0" anchor="t">
+            <a:spAutoFit/>
+          </a:bodyPr>
+          <a:lstStyle/>
+          <a:p>
+            <a:pPr algn="ctr">
+              <a:lnSpc>
+                <a:spcPts val="6934"/>
+              </a:lnSpc>
+            </a:pPr>
+            <a:r>
+              <a:rPr lang="pt-BR" sz="8561" spc="-565" dirty="0">
+                <a:solidFill>
+                  <a:srgbClr val="FFFFFF"/>
+                </a:solidFill>
+                <a:latin typeface="Montserrat" panose="00000500000000000000" pitchFamily="2" charset="0"/>
+                <a:ea typeface="Montserrat Ultra-Bold"/>
+                <a:cs typeface="Montserrat Ultra-Bold"/>
+                <a:sym typeface="Montserrat Ultra-Bold"/>
+              </a:rPr>
+              <a:t>Funcionalidades</a:t>
+            </a:r>
+          </a:p>
+        </p:txBody>
+      </p:sp>
+      <p:sp>
+        <p:nvSpPr>
+          <p:cNvPr id="16" name="Freeform 16">
+            <a:extLst>
+              <a:ext uri="{FF2B5EF4-FFF2-40B4-BE49-F238E27FC236}">
+                <a16:creationId xmlns:a16="http://schemas.microsoft.com/office/drawing/2014/main" id="{3C0A14BB-9098-EFE5-C471-6274624309E5}"/>
+              </a:ext>
+            </a:extLst>
+          </p:cNvPr>
+          <p:cNvSpPr/>
+          <p:nvPr/>
+        </p:nvSpPr>
+        <p:spPr>
+          <a:xfrm rot="5400000">
+            <a:off x="-1889361" y="-1958739"/>
+            <a:ext cx="4307057" cy="2357135"/>
+          </a:xfrm>
+          <a:custGeom>
+            <a:avLst/>
+            <a:gdLst/>
+            <a:ahLst/>
+            <a:cxnLst/>
+            <a:rect l="l" t="t" r="r" b="b"/>
+            <a:pathLst>
+              <a:path w="4307057" h="2357135">
+                <a:moveTo>
+                  <a:pt x="0" y="0"/>
+                </a:moveTo>
+                <a:lnTo>
+                  <a:pt x="4307057" y="0"/>
+                </a:lnTo>
+                <a:lnTo>
+                  <a:pt x="4307057" y="2357135"/>
+                </a:lnTo>
+                <a:lnTo>
+                  <a:pt x="0" y="2357135"/>
+                </a:lnTo>
+                <a:lnTo>
+                  <a:pt x="0" y="0"/>
+                </a:lnTo>
+                <a:close/>
+              </a:path>
+            </a:pathLst>
+          </a:custGeom>
+          <a:blipFill>
+            <a:blip r:embed="rId2">
+              <a:extLst>
+                <a:ext uri="{96DAC541-7B7A-43D3-8B79-37D633B846F1}">
+                  <asvg:svgBlip xmlns:asvg="http://schemas.microsoft.com/office/drawing/2016/SVG/main" r:embed="rId3"/>
+                </a:ext>
+              </a:extLst>
+            </a:blip>
+            <a:stretch>
+              <a:fillRect/>
+            </a:stretch>
+          </a:blipFill>
+        </p:spPr>
+        <p:txBody>
+          <a:bodyPr/>
+          <a:lstStyle/>
+          <a:p>
+            <a:endParaRPr lang="pt-BR"/>
+          </a:p>
+        </p:txBody>
+      </p:sp>
+      <p:sp>
+        <p:nvSpPr>
+          <p:cNvPr id="17" name="Freeform 17">
+            <a:extLst>
+              <a:ext uri="{FF2B5EF4-FFF2-40B4-BE49-F238E27FC236}">
+                <a16:creationId xmlns:a16="http://schemas.microsoft.com/office/drawing/2014/main" id="{06FA38F5-DB29-8DD9-DFBB-C3AF04A2EA77}"/>
+              </a:ext>
+            </a:extLst>
+          </p:cNvPr>
+          <p:cNvSpPr/>
+          <p:nvPr/>
+        </p:nvSpPr>
+        <p:spPr>
+          <a:xfrm rot="5400000">
+            <a:off x="1795300" y="8073945"/>
+            <a:ext cx="835508" cy="2368709"/>
+          </a:xfrm>
+          <a:custGeom>
+            <a:avLst/>
+            <a:gdLst/>
+            <a:ahLst/>
+            <a:cxnLst/>
+            <a:rect l="l" t="t" r="r" b="b"/>
+            <a:pathLst>
+              <a:path w="835508" h="2368709">
+                <a:moveTo>
+                  <a:pt x="0" y="0"/>
+                </a:moveTo>
+                <a:lnTo>
+                  <a:pt x="835509" y="0"/>
+                </a:lnTo>
+                <a:lnTo>
+                  <a:pt x="835509" y="2368710"/>
+                </a:lnTo>
+                <a:lnTo>
+                  <a:pt x="0" y="2368710"/>
+                </a:lnTo>
+                <a:lnTo>
+                  <a:pt x="0" y="0"/>
+                </a:lnTo>
+                <a:close/>
+              </a:path>
+            </a:pathLst>
+          </a:custGeom>
+          <a:blipFill>
+            <a:blip r:embed="rId4">
+              <a:extLst>
+                <a:ext uri="{96DAC541-7B7A-43D3-8B79-37D633B846F1}">
+                  <asvg:svgBlip xmlns:asvg="http://schemas.microsoft.com/office/drawing/2016/SVG/main" r:embed="rId5"/>
+                </a:ext>
+              </a:extLst>
+            </a:blip>
+            <a:stretch>
+              <a:fillRect/>
+            </a:stretch>
+          </a:blipFill>
+        </p:spPr>
+        <p:txBody>
+          <a:bodyPr/>
+          <a:lstStyle/>
+          <a:p>
+            <a:endParaRPr lang="pt-BR"/>
+          </a:p>
+        </p:txBody>
+      </p:sp>
+      <p:sp>
+        <p:nvSpPr>
+          <p:cNvPr id="18" name="Freeform 18">
+            <a:extLst>
+              <a:ext uri="{FF2B5EF4-FFF2-40B4-BE49-F238E27FC236}">
+                <a16:creationId xmlns:a16="http://schemas.microsoft.com/office/drawing/2014/main" id="{200FB348-DF1A-4918-BC8D-C05ADFC23FFB}"/>
+              </a:ext>
+            </a:extLst>
+          </p:cNvPr>
+          <p:cNvSpPr/>
+          <p:nvPr/>
+        </p:nvSpPr>
+        <p:spPr>
+          <a:xfrm rot="5400000">
+            <a:off x="15560439" y="10651015"/>
+            <a:ext cx="4307057" cy="2357135"/>
+          </a:xfrm>
+          <a:custGeom>
+            <a:avLst/>
+            <a:gdLst/>
+            <a:ahLst/>
+            <a:cxnLst/>
+            <a:rect l="l" t="t" r="r" b="b"/>
+            <a:pathLst>
+              <a:path w="4307057" h="2357135">
+                <a:moveTo>
+                  <a:pt x="0" y="0"/>
+                </a:moveTo>
+                <a:lnTo>
+                  <a:pt x="4307057" y="0"/>
+                </a:lnTo>
+                <a:lnTo>
+                  <a:pt x="4307057" y="2357135"/>
+                </a:lnTo>
+                <a:lnTo>
+                  <a:pt x="0" y="2357135"/>
+                </a:lnTo>
+                <a:lnTo>
+                  <a:pt x="0" y="0"/>
+                </a:lnTo>
+                <a:close/>
+              </a:path>
+            </a:pathLst>
+          </a:custGeom>
+          <a:blipFill>
+            <a:blip r:embed="rId2">
+              <a:extLst>
+                <a:ext uri="{96DAC541-7B7A-43D3-8B79-37D633B846F1}">
+                  <asvg:svgBlip xmlns:asvg="http://schemas.microsoft.com/office/drawing/2016/SVG/main" r:embed="rId3"/>
+                </a:ext>
+              </a:extLst>
+            </a:blip>
+            <a:stretch>
+              <a:fillRect/>
+            </a:stretch>
+          </a:blipFill>
+        </p:spPr>
+        <p:txBody>
+          <a:bodyPr/>
+          <a:lstStyle/>
+          <a:p>
+            <a:endParaRPr lang="pt-BR"/>
+          </a:p>
+        </p:txBody>
+      </p:sp>
+      <p:sp>
+        <p:nvSpPr>
+          <p:cNvPr id="2" name="CaixaDeTexto 1">
+            <a:extLst>
+              <a:ext uri="{FF2B5EF4-FFF2-40B4-BE49-F238E27FC236}">
+                <a16:creationId xmlns:a16="http://schemas.microsoft.com/office/drawing/2014/main" id="{B4603F2A-A4B9-9633-E432-FCCF43456679}"/>
+              </a:ext>
+            </a:extLst>
+          </p:cNvPr>
+          <p:cNvSpPr txBox="1"/>
+          <p:nvPr/>
+        </p:nvSpPr>
+        <p:spPr>
+          <a:xfrm>
+            <a:off x="4152900" y="1867432"/>
+            <a:ext cx="9982199" cy="6986528"/>
+          </a:xfrm>
+          <a:prstGeom prst="rect">
+            <a:avLst/>
+          </a:prstGeom>
+          <a:noFill/>
+          <a:ln>
+            <a:solidFill>
+              <a:schemeClr val="accent1">
+                <a:lumMod val="40000"/>
+                <a:lumOff val="60000"/>
+              </a:schemeClr>
+            </a:solidFill>
+          </a:ln>
+        </p:spPr>
+        <p:txBody>
+          <a:bodyPr wrap="square" rtlCol="0">
+            <a:spAutoFit/>
+          </a:bodyPr>
+          <a:lstStyle/>
+          <a:p>
+            <a:pPr marL="342900" indent="-342900">
+              <a:buFont typeface="Arial" panose="020B0604020202020204" pitchFamily="34" charset="0"/>
+              <a:buChar char="•"/>
+            </a:pPr>
+            <a:endParaRPr lang="pt-BR" sz="2800" b="1" dirty="0">
+              <a:solidFill>
+                <a:schemeClr val="bg1"/>
+              </a:solidFill>
+              <a:latin typeface="Montserrat" panose="00000500000000000000" pitchFamily="2" charset="0"/>
+            </a:endParaRPr>
+          </a:p>
+          <a:p>
+            <a:pPr marL="342900" indent="-342900">
+              <a:buFont typeface="Arial" panose="020B0604020202020204" pitchFamily="34" charset="0"/>
+              <a:buChar char="•"/>
+            </a:pPr>
+            <a:r>
+              <a:rPr lang="pt-BR" sz="2800" b="1" dirty="0">
+                <a:solidFill>
+                  <a:schemeClr val="bg1"/>
+                </a:solidFill>
+                <a:latin typeface="Montserrat" panose="00000500000000000000" pitchFamily="2" charset="0"/>
+              </a:rPr>
+              <a:t>Cadastro e login de usuário</a:t>
+            </a:r>
+          </a:p>
+          <a:p>
+            <a:pPr marL="342900" indent="-342900">
+              <a:buFont typeface="Arial" panose="020B0604020202020204" pitchFamily="34" charset="0"/>
+              <a:buChar char="•"/>
+            </a:pPr>
+            <a:r>
+              <a:rPr lang="pt-BR" sz="2800" b="1" dirty="0">
+                <a:solidFill>
+                  <a:schemeClr val="bg1"/>
+                </a:solidFill>
+                <a:latin typeface="Montserrat" panose="00000500000000000000" pitchFamily="2" charset="0"/>
+              </a:rPr>
+              <a:t>Criação e listagem de eventos</a:t>
+            </a:r>
+          </a:p>
+          <a:p>
+            <a:pPr marL="342900" indent="-342900">
+              <a:buFont typeface="Arial" panose="020B0604020202020204" pitchFamily="34" charset="0"/>
+              <a:buChar char="•"/>
+            </a:pPr>
+            <a:r>
+              <a:rPr lang="pt-BR" sz="2800" b="1" dirty="0">
+                <a:solidFill>
+                  <a:schemeClr val="bg1"/>
+                </a:solidFill>
+                <a:latin typeface="Montserrat" panose="00000500000000000000" pitchFamily="2" charset="0"/>
+              </a:rPr>
+              <a:t>Detalhes do evento com presentes e convidados</a:t>
+            </a:r>
+          </a:p>
+          <a:p>
+            <a:pPr marL="342900" indent="-342900">
+              <a:buFont typeface="Arial" panose="020B0604020202020204" pitchFamily="34" charset="0"/>
+              <a:buChar char="•"/>
+            </a:pPr>
+            <a:r>
+              <a:rPr lang="pt-BR" sz="2800" b="1" dirty="0">
+                <a:solidFill>
+                  <a:schemeClr val="bg1"/>
+                </a:solidFill>
+                <a:latin typeface="Montserrat" panose="00000500000000000000" pitchFamily="2" charset="0"/>
+              </a:rPr>
+              <a:t>Navegação intuitiva com barra inferior estilizada</a:t>
+            </a:r>
+          </a:p>
+          <a:p>
+            <a:pPr marL="342900" indent="-342900">
+              <a:buFont typeface="Arial" panose="020B0604020202020204" pitchFamily="34" charset="0"/>
+              <a:buChar char="•"/>
+            </a:pPr>
+            <a:r>
+              <a:rPr lang="pt-BR" sz="2800" b="1" dirty="0">
+                <a:solidFill>
+                  <a:schemeClr val="bg1"/>
+                </a:solidFill>
+                <a:latin typeface="Montserrat" panose="00000500000000000000" pitchFamily="2" charset="0"/>
+              </a:rPr>
+              <a:t>Design moderno e adaptável</a:t>
+            </a:r>
+          </a:p>
+          <a:p>
+            <a:pPr marL="342900" indent="-342900">
+              <a:buFont typeface="Arial" panose="020B0604020202020204" pitchFamily="34" charset="0"/>
+              <a:buChar char="•"/>
+            </a:pPr>
+            <a:endParaRPr lang="pt-BR" sz="2800" b="1" dirty="0">
+              <a:solidFill>
+                <a:schemeClr val="bg1"/>
+              </a:solidFill>
+              <a:latin typeface="Montserrat" panose="00000500000000000000" pitchFamily="2" charset="0"/>
+            </a:endParaRPr>
+          </a:p>
+          <a:p>
+            <a:pPr marL="342900" indent="-342900">
+              <a:buFont typeface="Arial" panose="020B0604020202020204" pitchFamily="34" charset="0"/>
+              <a:buChar char="•"/>
+            </a:pPr>
+            <a:r>
+              <a:rPr lang="pt-BR" sz="2800" b="1" dirty="0">
+                <a:solidFill>
+                  <a:schemeClr val="bg1"/>
+                </a:solidFill>
+                <a:latin typeface="Montserrat" panose="00000500000000000000" pitchFamily="2" charset="0"/>
+              </a:rPr>
+              <a:t>Tela de convidados com listagem e adição</a:t>
+            </a:r>
+          </a:p>
+          <a:p>
+            <a:pPr marL="342900" indent="-342900">
+              <a:buFont typeface="Arial" panose="020B0604020202020204" pitchFamily="34" charset="0"/>
+              <a:buChar char="•"/>
+            </a:pPr>
+            <a:r>
+              <a:rPr lang="pt-BR" sz="2800" b="1" dirty="0">
+                <a:solidFill>
+                  <a:schemeClr val="bg1"/>
+                </a:solidFill>
+                <a:latin typeface="Montserrat" panose="00000500000000000000" pitchFamily="2" charset="0"/>
+              </a:rPr>
+              <a:t>Perfil do usuário com informações da base</a:t>
+            </a:r>
+          </a:p>
+          <a:p>
+            <a:pPr marL="342900" indent="-342900">
+              <a:buFont typeface="Arial" panose="020B0604020202020204" pitchFamily="34" charset="0"/>
+              <a:buChar char="•"/>
+            </a:pPr>
+            <a:r>
+              <a:rPr lang="pt-BR" sz="2800" b="1" dirty="0">
+                <a:solidFill>
+                  <a:schemeClr val="bg1"/>
+                </a:solidFill>
+                <a:latin typeface="Montserrat" panose="00000500000000000000" pitchFamily="2" charset="0"/>
+              </a:rPr>
+              <a:t>Navegação em abas estilo SPA (Single Page App)</a:t>
+            </a:r>
+          </a:p>
+          <a:p>
+            <a:pPr marL="342900" indent="-342900">
+              <a:buFont typeface="Arial" panose="020B0604020202020204" pitchFamily="34" charset="0"/>
+              <a:buChar char="•"/>
+            </a:pPr>
+            <a:endParaRPr lang="pt-BR" sz="2800" b="1" dirty="0">
+              <a:solidFill>
+                <a:schemeClr val="bg1"/>
+              </a:solidFill>
+              <a:latin typeface="Montserrat" panose="00000500000000000000" pitchFamily="2" charset="0"/>
+            </a:endParaRPr>
+          </a:p>
+          <a:p>
+            <a:pPr marL="342900" indent="-342900">
+              <a:buFont typeface="Arial" panose="020B0604020202020204" pitchFamily="34" charset="0"/>
+              <a:buChar char="•"/>
+            </a:pPr>
+            <a:r>
+              <a:rPr lang="pt-BR" sz="2800" b="1" dirty="0">
+                <a:solidFill>
+                  <a:schemeClr val="bg1"/>
+                </a:solidFill>
+                <a:latin typeface="Montserrat" panose="00000500000000000000" pitchFamily="2" charset="0"/>
+              </a:rPr>
+              <a:t>Amigos, convites e interações sociais</a:t>
+            </a:r>
+          </a:p>
+          <a:p>
+            <a:pPr marL="342900" indent="-342900">
+              <a:buFont typeface="Arial" panose="020B0604020202020204" pitchFamily="34" charset="0"/>
+              <a:buChar char="•"/>
+            </a:pPr>
+            <a:r>
+              <a:rPr lang="pt-BR" sz="2800" b="1" dirty="0">
+                <a:solidFill>
+                  <a:schemeClr val="bg1"/>
+                </a:solidFill>
+                <a:latin typeface="Montserrat" panose="00000500000000000000" pitchFamily="2" charset="0"/>
+              </a:rPr>
+              <a:t>ChatBot com IA e recomendações inteligentes</a:t>
+            </a:r>
+          </a:p>
+          <a:p>
+            <a:pPr marL="342900" indent="-342900">
+              <a:buFont typeface="Arial" panose="020B0604020202020204" pitchFamily="34" charset="0"/>
+              <a:buChar char="•"/>
+            </a:pPr>
+            <a:r>
+              <a:rPr lang="pt-BR" sz="2800" b="1" dirty="0">
+                <a:solidFill>
+                  <a:schemeClr val="bg1"/>
+                </a:solidFill>
+                <a:latin typeface="Montserrat" panose="00000500000000000000" pitchFamily="2" charset="0"/>
+              </a:rPr>
+              <a:t>Calendário com eventos e datas comemorativas</a:t>
+            </a:r>
+          </a:p>
+          <a:p>
+            <a:pPr marL="342900" indent="-342900">
+              <a:buFont typeface="Arial" panose="020B0604020202020204" pitchFamily="34" charset="0"/>
+              <a:buChar char="•"/>
+            </a:pPr>
+            <a:r>
+              <a:rPr lang="pt-BR" sz="2800" b="1" dirty="0">
+                <a:solidFill>
+                  <a:schemeClr val="bg1"/>
+                </a:solidFill>
+                <a:latin typeface="Montserrat" panose="00000500000000000000" pitchFamily="2" charset="0"/>
+              </a:rPr>
+              <a:t>Integração com Google Maps e notificações push</a:t>
+            </a:r>
+          </a:p>
+          <a:p>
+            <a:pPr marL="342900" indent="-342900">
+              <a:buFont typeface="Arial" panose="020B0604020202020204" pitchFamily="34" charset="0"/>
+              <a:buChar char="•"/>
+            </a:pPr>
+            <a:endParaRPr lang="pt-BR" sz="2800" b="1" dirty="0">
+              <a:solidFill>
+                <a:schemeClr val="bg1"/>
+              </a:solidFill>
+              <a:latin typeface="Montserrat" panose="00000500000000000000" pitchFamily="2" charset="0"/>
+            </a:endParaRPr>
+          </a:p>
+        </p:txBody>
+      </p:sp>
+    </p:spTree>
+    <p:extLst>
+      <p:ext uri="{BB962C8B-B14F-4D97-AF65-F5344CB8AC3E}">
+        <p14:creationId xmlns:p14="http://schemas.microsoft.com/office/powerpoint/2010/main" val="3862929799"/>
+      </p:ext>
+    </p:extLst>
+  </p:cSld>
+  <p:clrMapOvr>
+    <a:masterClrMapping/>
+  </p:clrMapOvr>
+</p:sld>
+</file>
+
+<file path=ppt/slides/slide7.xml><?xml version="1.0" encoding="utf-8"?>
 <p:sld xmlns:a="http://schemas.openxmlformats.org/drawingml/2006/main" xmlns:r="http://schemas.openxmlformats.org/officeDocument/2006/relationships" xmlns:p="http://schemas.openxmlformats.org/presentationml/2006/main">
   <p:cSld>
     <p:bg>
@@ -7626,7 +8689,7 @@
         </p:nvSpPr>
         <p:spPr>
           <a:xfrm>
-            <a:off x="0" y="1028700"/>
+            <a:off x="0" y="1257300"/>
             <a:ext cx="18288000" cy="934936"/>
           </a:xfrm>
           <a:prstGeom prst="rect">
@@ -7654,7 +8717,7 @@
                 <a:cs typeface="Montserrat Ultra-Bold"/>
                 <a:sym typeface="Montserrat Ultra-Bold"/>
               </a:rPr>
-              <a:t>Linguagens e Ideias do projeto</a:t>
+              <a:t>Tecnologias Utilizadas</a:t>
             </a:r>
           </a:p>
         </p:txBody>
@@ -7673,7 +8736,7 @@
         </p:nvSpPr>
         <p:spPr>
           <a:xfrm rot="5400000">
-            <a:off x="-1889361" y="-1958739"/>
+            <a:off x="-2303397" y="-2034939"/>
             <a:ext cx="4307057" cy="2357135"/>
           </a:xfrm>
           <a:custGeom>
@@ -7856,10 +8919,10 @@
       </p:sp>
       <p:sp>
         <p:nvSpPr>
-          <p:cNvPr id="2" name="CaixaDeTexto 1">
+          <p:cNvPr id="10" name="TextBox 7">
             <a:extLst>
               <a:ext uri="{FF2B5EF4-FFF2-40B4-BE49-F238E27FC236}">
-                <a16:creationId xmlns:a16="http://schemas.microsoft.com/office/drawing/2014/main" id="{48807007-612D-9209-669C-0A9730262C6A}"/>
+                <a16:creationId xmlns:a16="http://schemas.microsoft.com/office/drawing/2014/main" id="{FF3B7270-172F-7854-7D88-813D0CD5679C}"/>
               </a:ext>
             </a:extLst>
           </p:cNvPr>
@@ -7868,30 +8931,24 @@
         </p:nvSpPr>
         <p:spPr>
           <a:xfrm>
-            <a:off x="8077199" y="2452804"/>
-            <a:ext cx="9182101" cy="7294305"/>
+            <a:off x="4953000" y="2781300"/>
+            <a:ext cx="10056773" cy="4308872"/>
           </a:xfrm>
           <a:prstGeom prst="rect">
             <a:avLst/>
           </a:prstGeom>
-          <a:noFill/>
-          <a:ln>
-            <a:solidFill>
-              <a:schemeClr val="accent1">
-                <a:lumMod val="40000"/>
-                <a:lumOff val="60000"/>
-              </a:schemeClr>
-            </a:solidFill>
-          </a:ln>
         </p:spPr>
         <p:txBody>
-          <a:bodyPr wrap="square" rtlCol="0">
+          <a:bodyPr wrap="square" lIns="0" tIns="0" rIns="0" bIns="0" rtlCol="0" anchor="t">
             <a:spAutoFit/>
           </a:bodyPr>
           <a:lstStyle/>
           <a:p>
-            <a:pPr algn="ctr"/>
-            <a:endParaRPr lang="pt-BR" b="1" dirty="0">
+            <a:pPr marL="742950" lvl="1" indent="-285750">
+              <a:buFont typeface="Arial" panose="020B0604020202020204" pitchFamily="34" charset="0"/>
+              <a:buChar char="•"/>
+            </a:pPr>
+            <a:endParaRPr lang="pt-BR" sz="2800" b="1" dirty="0">
               <a:solidFill>
                 <a:schemeClr val="bg1"/>
               </a:solidFill>
@@ -7899,19 +8956,26 @@
             </a:endParaRPr>
           </a:p>
           <a:p>
-            <a:pPr algn="ctr"/>
-            <a:r>
-              <a:rPr lang="pt-BR" b="1" dirty="0">
+            <a:pPr marL="742950" lvl="1" indent="-285750">
+              <a:buFont typeface="Arial" panose="020B0604020202020204" pitchFamily="34" charset="0"/>
+              <a:buChar char="•"/>
+            </a:pPr>
+            <a:r>
+              <a:rPr lang="pt-BR" sz="2800" b="1" dirty="0">
                 <a:solidFill>
                   <a:schemeClr val="bg1"/>
                 </a:solidFill>
                 <a:latin typeface="Montserrat" panose="00000500000000000000" pitchFamily="2" charset="0"/>
               </a:rPr>
-              <a:t>Ideias principais :</a:t>
-            </a:r>
-          </a:p>
-          <a:p>
-            <a:endParaRPr lang="pt-BR" b="1" dirty="0">
+              <a:t>Frontend: Flutter (Android e iOS)</a:t>
+            </a:r>
+          </a:p>
+          <a:p>
+            <a:pPr marL="742950" lvl="1" indent="-285750">
+              <a:buFont typeface="Arial" panose="020B0604020202020204" pitchFamily="34" charset="0"/>
+              <a:buChar char="•"/>
+            </a:pPr>
+            <a:endParaRPr lang="pt-BR" sz="2800" b="1" dirty="0">
               <a:solidFill>
                 <a:schemeClr val="bg1"/>
               </a:solidFill>
@@ -7924,111 +8988,21 @@
               <a:buChar char="•"/>
             </a:pPr>
             <a:r>
-              <a:rPr lang="pt-BR" b="1" dirty="0">
+              <a:rPr lang="pt-BR" sz="2800" b="1" dirty="0">
                 <a:solidFill>
                   <a:schemeClr val="bg1"/>
                 </a:solidFill>
                 <a:latin typeface="Montserrat" panose="00000500000000000000" pitchFamily="2" charset="0"/>
               </a:rPr>
-              <a:t>Criar eventos privados, como :</a:t>
-            </a:r>
-          </a:p>
-          <a:p>
-            <a:pPr marL="1200150" lvl="2" indent="-285750">
+              <a:t>Backend: Spring Boot (Java)</a:t>
+            </a:r>
+          </a:p>
+          <a:p>
+            <a:pPr marL="742950" lvl="1" indent="-285750">
               <a:buFont typeface="Arial" panose="020B0604020202020204" pitchFamily="34" charset="0"/>
               <a:buChar char="•"/>
             </a:pPr>
-            <a:r>
-              <a:rPr lang="pt-BR" b="1" dirty="0">
-                <a:solidFill>
-                  <a:schemeClr val="bg1"/>
-                </a:solidFill>
-                <a:latin typeface="Montserrat" panose="00000500000000000000" pitchFamily="2" charset="0"/>
-              </a:rPr>
-              <a:t>Aniversários (*)</a:t>
-            </a:r>
-          </a:p>
-          <a:p>
-            <a:pPr marL="1200150" lvl="2" indent="-285750">
-              <a:buFont typeface="Arial" panose="020B0604020202020204" pitchFamily="34" charset="0"/>
-              <a:buChar char="•"/>
-            </a:pPr>
-            <a:r>
-              <a:rPr lang="pt-BR" b="1" dirty="0">
-                <a:solidFill>
-                  <a:schemeClr val="bg1"/>
-                </a:solidFill>
-                <a:latin typeface="Montserrat" panose="00000500000000000000" pitchFamily="2" charset="0"/>
-              </a:rPr>
-              <a:t>Churrascos</a:t>
-            </a:r>
-          </a:p>
-          <a:p>
-            <a:pPr marL="1200150" lvl="2" indent="-285750">
-              <a:buFont typeface="Arial" panose="020B0604020202020204" pitchFamily="34" charset="0"/>
-              <a:buChar char="•"/>
-            </a:pPr>
-            <a:r>
-              <a:rPr lang="pt-BR" b="1" dirty="0">
-                <a:solidFill>
-                  <a:schemeClr val="bg1"/>
-                </a:solidFill>
-                <a:latin typeface="Montserrat" panose="00000500000000000000" pitchFamily="2" charset="0"/>
-              </a:rPr>
-              <a:t>Chá de Bebê</a:t>
-            </a:r>
-          </a:p>
-          <a:p>
-            <a:pPr marL="1200150" lvl="2" indent="-285750">
-              <a:buFont typeface="Arial" panose="020B0604020202020204" pitchFamily="34" charset="0"/>
-              <a:buChar char="•"/>
-            </a:pPr>
-            <a:r>
-              <a:rPr lang="pt-BR" b="1" dirty="0">
-                <a:solidFill>
-                  <a:schemeClr val="bg1"/>
-                </a:solidFill>
-                <a:latin typeface="Montserrat" panose="00000500000000000000" pitchFamily="2" charset="0"/>
-              </a:rPr>
-              <a:t>Casamentos</a:t>
-            </a:r>
-          </a:p>
-          <a:p>
-            <a:pPr marL="1200150" lvl="2" indent="-285750">
-              <a:buFont typeface="Arial" panose="020B0604020202020204" pitchFamily="34" charset="0"/>
-              <a:buChar char="•"/>
-            </a:pPr>
-            <a:r>
-              <a:rPr lang="pt-BR" b="1" dirty="0">
-                <a:solidFill>
-                  <a:schemeClr val="bg1"/>
-                </a:solidFill>
-                <a:latin typeface="Montserrat" panose="00000500000000000000" pitchFamily="2" charset="0"/>
-              </a:rPr>
-              <a:t>Pescaria</a:t>
-            </a:r>
-          </a:p>
-          <a:p>
-            <a:pPr marL="1200150" lvl="2" indent="-285750">
-              <a:buFont typeface="Arial" panose="020B0604020202020204" pitchFamily="34" charset="0"/>
-              <a:buChar char="•"/>
-            </a:pPr>
-            <a:r>
-              <a:rPr lang="pt-BR" b="1" dirty="0">
-                <a:solidFill>
-                  <a:schemeClr val="bg1"/>
-                </a:solidFill>
-                <a:latin typeface="Montserrat" panose="00000500000000000000" pitchFamily="2" charset="0"/>
-              </a:rPr>
-              <a:t>Etc ,  etc ,  etc...</a:t>
-            </a:r>
-          </a:p>
-          <a:p>
-            <a:pPr marL="1200150" lvl="2" indent="-285750">
-              <a:buFont typeface="Arial" panose="020B0604020202020204" pitchFamily="34" charset="0"/>
-              <a:buChar char="•"/>
-            </a:pPr>
-            <a:endParaRPr lang="pt-BR" b="1" dirty="0">
+            <a:endParaRPr lang="pt-BR" sz="2800" b="1" dirty="0">
               <a:solidFill>
                 <a:schemeClr val="bg1"/>
               </a:solidFill>
@@ -8041,13 +9015,13 @@
               <a:buChar char="•"/>
             </a:pPr>
             <a:r>
-              <a:rPr lang="pt-BR" b="1" dirty="0">
+              <a:rPr lang="pt-BR" sz="2800" b="1" dirty="0">
                 <a:solidFill>
                   <a:schemeClr val="bg1"/>
                 </a:solidFill>
                 <a:latin typeface="Montserrat" panose="00000500000000000000" pitchFamily="2" charset="0"/>
               </a:rPr>
-              <a:t>Criar datas comemorativas para avisar sobre os eventos futuros (*) ;</a:t>
+              <a:t>Banco de Dados: MySQL</a:t>
             </a:r>
           </a:p>
           <a:p>
@@ -8055,7 +9029,7 @@
               <a:buFont typeface="Arial" panose="020B0604020202020204" pitchFamily="34" charset="0"/>
               <a:buChar char="•"/>
             </a:pPr>
-            <a:endParaRPr lang="pt-BR" b="1" dirty="0">
+            <a:endParaRPr lang="pt-BR" sz="2800" b="1" dirty="0">
               <a:solidFill>
                 <a:schemeClr val="bg1"/>
               </a:solidFill>
@@ -8068,13 +9042,13 @@
               <a:buChar char="•"/>
             </a:pPr>
             <a:r>
-              <a:rPr lang="pt-BR" b="1" dirty="0">
+              <a:rPr lang="pt-BR" sz="2800" b="1" dirty="0">
                 <a:solidFill>
                   <a:schemeClr val="bg1"/>
                 </a:solidFill>
                 <a:latin typeface="Montserrat" panose="00000500000000000000" pitchFamily="2" charset="0"/>
               </a:rPr>
-              <a:t>Implementar Google Maps para auxiliar nos encontros ;</a:t>
+              <a:t>Hospedagem: Azure &amp; Google Cloud</a:t>
             </a:r>
           </a:p>
           <a:p>
@@ -8082,7 +9056,7 @@
               <a:buFont typeface="Arial" panose="020B0604020202020204" pitchFamily="34" charset="0"/>
               <a:buChar char="•"/>
             </a:pPr>
-            <a:endParaRPr lang="pt-BR" b="1" dirty="0">
+            <a:endParaRPr lang="pt-BR" sz="2800" b="1" dirty="0">
               <a:solidFill>
                 <a:schemeClr val="bg1"/>
               </a:solidFill>
@@ -8095,338 +9069,14 @@
               <a:buChar char="•"/>
             </a:pPr>
             <a:r>
-              <a:rPr lang="pt-BR" b="1" dirty="0">
+              <a:rPr lang="pt-BR" sz="2800" b="1" dirty="0">
                 <a:solidFill>
                   <a:schemeClr val="bg1"/>
                 </a:solidFill>
                 <a:latin typeface="Montserrat" panose="00000500000000000000" pitchFamily="2" charset="0"/>
               </a:rPr>
-              <a:t>Implementar calendário para auxiliar na visualização dos eventos combinados ;</a:t>
-            </a:r>
-          </a:p>
-          <a:p>
-            <a:pPr marL="742950" lvl="1" indent="-285750">
-              <a:buFont typeface="Arial" panose="020B0604020202020204" pitchFamily="34" charset="0"/>
-              <a:buChar char="•"/>
-            </a:pPr>
-            <a:endParaRPr lang="pt-BR" b="1" dirty="0">
-              <a:solidFill>
-                <a:schemeClr val="bg1"/>
-              </a:solidFill>
-              <a:latin typeface="Montserrat" panose="00000500000000000000" pitchFamily="2" charset="0"/>
-            </a:endParaRPr>
-          </a:p>
-          <a:p>
-            <a:pPr marL="742950" lvl="1" indent="-285750">
-              <a:buFont typeface="Arial" panose="020B0604020202020204" pitchFamily="34" charset="0"/>
-              <a:buChar char="•"/>
-            </a:pPr>
-            <a:r>
-              <a:rPr lang="pt-BR" b="1" dirty="0">
-                <a:solidFill>
-                  <a:schemeClr val="bg1"/>
-                </a:solidFill>
-                <a:latin typeface="Montserrat" panose="00000500000000000000" pitchFamily="2" charset="0"/>
-              </a:rPr>
-              <a:t>Utilizar IA para recomendar recursos faltantes antes do encerramento do evento ;</a:t>
-            </a:r>
-          </a:p>
-          <a:p>
-            <a:pPr marL="742950" lvl="1" indent="-285750">
-              <a:buFont typeface="Arial" panose="020B0604020202020204" pitchFamily="34" charset="0"/>
-              <a:buChar char="•"/>
-            </a:pPr>
-            <a:endParaRPr lang="pt-BR" b="1" dirty="0">
-              <a:solidFill>
-                <a:schemeClr val="bg1"/>
-              </a:solidFill>
-              <a:latin typeface="Montserrat" panose="00000500000000000000" pitchFamily="2" charset="0"/>
-            </a:endParaRPr>
-          </a:p>
-          <a:p>
-            <a:pPr marL="742950" lvl="1" indent="-285750">
-              <a:buFont typeface="Arial" panose="020B0604020202020204" pitchFamily="34" charset="0"/>
-              <a:buChar char="•"/>
-            </a:pPr>
-            <a:r>
-              <a:rPr lang="pt-BR" b="1" dirty="0">
-                <a:solidFill>
-                  <a:schemeClr val="bg1"/>
-                </a:solidFill>
-                <a:latin typeface="Montserrat" panose="00000500000000000000" pitchFamily="2" charset="0"/>
-              </a:rPr>
-              <a:t>Implementar ChatBot para ajuda de Suporte de como utilizar o app ;</a:t>
-            </a:r>
-          </a:p>
-          <a:p>
-            <a:pPr marL="742950" lvl="1" indent="-285750">
-              <a:buFont typeface="Arial" panose="020B0604020202020204" pitchFamily="34" charset="0"/>
-              <a:buChar char="•"/>
-            </a:pPr>
-            <a:endParaRPr lang="pt-BR" b="1" dirty="0">
-              <a:solidFill>
-                <a:schemeClr val="bg1"/>
-              </a:solidFill>
-              <a:latin typeface="Montserrat" panose="00000500000000000000" pitchFamily="2" charset="0"/>
-            </a:endParaRPr>
-          </a:p>
-          <a:p>
-            <a:pPr marL="742950" lvl="1" indent="-285750">
-              <a:buFont typeface="Arial" panose="020B0604020202020204" pitchFamily="34" charset="0"/>
-              <a:buChar char="•"/>
-            </a:pPr>
-            <a:r>
-              <a:rPr lang="pt-BR" b="1" dirty="0">
-                <a:solidFill>
-                  <a:schemeClr val="bg1"/>
-                </a:solidFill>
-                <a:latin typeface="Montserrat" panose="00000500000000000000" pitchFamily="2" charset="0"/>
-              </a:rPr>
-              <a:t>Implementar “Adicionar Amigo” e criar chats para conversar sobre o evento ou privado.</a:t>
-            </a:r>
-          </a:p>
-          <a:p>
-            <a:pPr lvl="1"/>
-            <a:endParaRPr lang="pt-BR" b="1" dirty="0">
-              <a:solidFill>
-                <a:schemeClr val="bg1"/>
-              </a:solidFill>
-              <a:latin typeface="Montserrat" panose="00000500000000000000" pitchFamily="2" charset="0"/>
-            </a:endParaRPr>
-          </a:p>
-        </p:txBody>
-      </p:sp>
-      <p:sp>
-        <p:nvSpPr>
-          <p:cNvPr id="3" name="CaixaDeTexto 1">
-            <a:extLst>
-              <a:ext uri="{FF2B5EF4-FFF2-40B4-BE49-F238E27FC236}">
-                <a16:creationId xmlns:a16="http://schemas.microsoft.com/office/drawing/2014/main" id="{9B943B8C-18C9-CEC4-9B55-3CCD6662E567}"/>
-              </a:ext>
-            </a:extLst>
-          </p:cNvPr>
-          <p:cNvSpPr txBox="1"/>
-          <p:nvPr/>
-        </p:nvSpPr>
-        <p:spPr>
-          <a:xfrm>
-            <a:off x="2057400" y="2452804"/>
-            <a:ext cx="5105400" cy="4247317"/>
-          </a:xfrm>
-          <a:prstGeom prst="rect">
-            <a:avLst/>
-          </a:prstGeom>
-          <a:noFill/>
-          <a:ln>
-            <a:solidFill>
-              <a:schemeClr val="accent1">
-                <a:lumMod val="40000"/>
-                <a:lumOff val="60000"/>
-              </a:schemeClr>
-            </a:solidFill>
-          </a:ln>
-        </p:spPr>
-        <p:txBody>
-          <a:bodyPr wrap="square" rtlCol="0">
-            <a:spAutoFit/>
-          </a:bodyPr>
-          <a:lstStyle/>
-          <a:p>
-            <a:pPr algn="ctr"/>
-            <a:endParaRPr lang="pt-BR" b="1" dirty="0">
-              <a:solidFill>
-                <a:schemeClr val="bg1"/>
-              </a:solidFill>
-              <a:latin typeface="Montserrat" panose="00000500000000000000" pitchFamily="2" charset="0"/>
-            </a:endParaRPr>
-          </a:p>
-          <a:p>
-            <a:pPr algn="ctr"/>
-            <a:r>
-              <a:rPr lang="pt-BR" b="1" dirty="0">
-                <a:solidFill>
-                  <a:schemeClr val="bg1"/>
-                </a:solidFill>
-                <a:latin typeface="Montserrat" panose="00000500000000000000" pitchFamily="2" charset="0"/>
-              </a:rPr>
-              <a:t>Linguagens utilizadas :</a:t>
-            </a:r>
-          </a:p>
-          <a:p>
-            <a:endParaRPr lang="pt-BR" b="1" dirty="0">
-              <a:solidFill>
-                <a:schemeClr val="bg1"/>
-              </a:solidFill>
-              <a:latin typeface="Montserrat" panose="00000500000000000000" pitchFamily="2" charset="0"/>
-            </a:endParaRPr>
-          </a:p>
-          <a:p>
-            <a:pPr marL="742950" lvl="1" indent="-285750">
-              <a:buFont typeface="Arial" panose="020B0604020202020204" pitchFamily="34" charset="0"/>
-              <a:buChar char="•"/>
-            </a:pPr>
-            <a:r>
-              <a:rPr lang="pt-BR" b="1" dirty="0">
-                <a:solidFill>
-                  <a:schemeClr val="bg1"/>
-                </a:solidFill>
-                <a:latin typeface="Montserrat" panose="00000500000000000000" pitchFamily="2" charset="0"/>
-              </a:rPr>
-              <a:t>Flutter (Dart)</a:t>
-            </a:r>
-          </a:p>
-          <a:p>
-            <a:pPr marL="742950" lvl="1" indent="-285750">
-              <a:buFont typeface="Arial" panose="020B0604020202020204" pitchFamily="34" charset="0"/>
-              <a:buChar char="•"/>
-            </a:pPr>
-            <a:endParaRPr lang="pt-BR" b="1" dirty="0">
-              <a:solidFill>
-                <a:schemeClr val="bg1"/>
-              </a:solidFill>
-              <a:latin typeface="Montserrat" panose="00000500000000000000" pitchFamily="2" charset="0"/>
-            </a:endParaRPr>
-          </a:p>
-          <a:p>
-            <a:pPr marL="742950" lvl="1" indent="-285750">
-              <a:buFont typeface="Arial" panose="020B0604020202020204" pitchFamily="34" charset="0"/>
-              <a:buChar char="•"/>
-            </a:pPr>
-            <a:r>
-              <a:rPr lang="pt-BR" b="1" dirty="0" err="1">
-                <a:solidFill>
-                  <a:schemeClr val="bg1"/>
-                </a:solidFill>
-                <a:latin typeface="Montserrat" panose="00000500000000000000" pitchFamily="2" charset="0"/>
-              </a:rPr>
-              <a:t>Springboot</a:t>
-            </a:r>
-            <a:endParaRPr lang="pt-BR" b="1" dirty="0">
-              <a:solidFill>
-                <a:schemeClr val="bg1"/>
-              </a:solidFill>
-              <a:latin typeface="Montserrat" panose="00000500000000000000" pitchFamily="2" charset="0"/>
-            </a:endParaRPr>
-          </a:p>
-          <a:p>
-            <a:pPr marL="742950" lvl="1" indent="-285750">
-              <a:buFont typeface="Arial" panose="020B0604020202020204" pitchFamily="34" charset="0"/>
-              <a:buChar char="•"/>
-            </a:pPr>
-            <a:endParaRPr lang="pt-BR" b="1" dirty="0">
-              <a:solidFill>
-                <a:schemeClr val="bg1"/>
-              </a:solidFill>
-              <a:latin typeface="Montserrat" panose="00000500000000000000" pitchFamily="2" charset="0"/>
-            </a:endParaRPr>
-          </a:p>
-          <a:p>
-            <a:pPr marL="742950" lvl="1" indent="-285750">
-              <a:buFont typeface="Arial" panose="020B0604020202020204" pitchFamily="34" charset="0"/>
-              <a:buChar char="•"/>
-            </a:pPr>
-            <a:r>
-              <a:rPr lang="pt-BR" b="1" dirty="0">
-                <a:solidFill>
-                  <a:schemeClr val="bg1"/>
-                </a:solidFill>
-                <a:latin typeface="Montserrat" panose="00000500000000000000" pitchFamily="2" charset="0"/>
-              </a:rPr>
-              <a:t>MySQL</a:t>
-            </a:r>
-          </a:p>
-          <a:p>
-            <a:pPr marL="742950" lvl="1" indent="-285750">
-              <a:buFont typeface="Arial" panose="020B0604020202020204" pitchFamily="34" charset="0"/>
-              <a:buChar char="•"/>
-            </a:pPr>
-            <a:endParaRPr lang="pt-BR" b="1" dirty="0">
-              <a:solidFill>
-                <a:schemeClr val="bg1"/>
-              </a:solidFill>
-              <a:latin typeface="Montserrat" panose="00000500000000000000" pitchFamily="2" charset="0"/>
-            </a:endParaRPr>
-          </a:p>
-          <a:p>
-            <a:pPr marL="742950" lvl="1" indent="-285750">
-              <a:buFont typeface="Arial" panose="020B0604020202020204" pitchFamily="34" charset="0"/>
-              <a:buChar char="•"/>
-            </a:pPr>
-            <a:r>
-              <a:rPr lang="pt-BR" b="1" dirty="0">
-                <a:solidFill>
-                  <a:schemeClr val="bg1"/>
-                </a:solidFill>
-                <a:latin typeface="Montserrat" panose="00000500000000000000" pitchFamily="2" charset="0"/>
-              </a:rPr>
-              <a:t>Azure</a:t>
-            </a:r>
-          </a:p>
-          <a:p>
-            <a:pPr marL="742950" lvl="1" indent="-285750">
-              <a:buFont typeface="Arial" panose="020B0604020202020204" pitchFamily="34" charset="0"/>
-              <a:buChar char="•"/>
-            </a:pPr>
-            <a:endParaRPr lang="pt-BR" b="1" dirty="0">
-              <a:solidFill>
-                <a:schemeClr val="bg1"/>
-              </a:solidFill>
-              <a:latin typeface="Montserrat" panose="00000500000000000000" pitchFamily="2" charset="0"/>
-            </a:endParaRPr>
-          </a:p>
-          <a:p>
-            <a:pPr marL="742950" lvl="1" indent="-285750">
-              <a:buFont typeface="Arial" panose="020B0604020202020204" pitchFamily="34" charset="0"/>
-              <a:buChar char="•"/>
-            </a:pPr>
-            <a:r>
-              <a:rPr lang="pt-BR" b="1" dirty="0">
-                <a:solidFill>
-                  <a:schemeClr val="bg1"/>
-                </a:solidFill>
-                <a:latin typeface="Montserrat" panose="00000500000000000000" pitchFamily="2" charset="0"/>
-              </a:rPr>
-              <a:t>Google Cloud Platform</a:t>
-            </a:r>
-          </a:p>
-          <a:p>
-            <a:pPr marL="742950" lvl="1" indent="-285750">
-              <a:buFont typeface="Arial" panose="020B0604020202020204" pitchFamily="34" charset="0"/>
-              <a:buChar char="•"/>
-            </a:pPr>
-            <a:endParaRPr lang="pt-BR" b="1" dirty="0">
-              <a:solidFill>
-                <a:schemeClr val="bg1"/>
-              </a:solidFill>
-              <a:latin typeface="Montserrat" panose="00000500000000000000" pitchFamily="2" charset="0"/>
-            </a:endParaRPr>
-          </a:p>
-          <a:p>
-            <a:pPr marL="742950" lvl="1" indent="-285750">
-              <a:buFont typeface="Arial" panose="020B0604020202020204" pitchFamily="34" charset="0"/>
-              <a:buChar char="•"/>
-            </a:pPr>
-            <a:r>
-              <a:rPr lang="pt-BR" b="1" dirty="0">
-                <a:solidFill>
-                  <a:schemeClr val="bg1"/>
-                </a:solidFill>
-                <a:latin typeface="Montserrat" panose="00000500000000000000" pitchFamily="2" charset="0"/>
-              </a:rPr>
-              <a:t>GitHub</a:t>
-            </a:r>
-          </a:p>
-          <a:p>
-            <a:pPr marL="742950" lvl="1" indent="-285750">
-              <a:buFont typeface="Arial" panose="020B0604020202020204" pitchFamily="34" charset="0"/>
-              <a:buChar char="•"/>
-            </a:pPr>
-            <a:endParaRPr lang="pt-BR" b="1" dirty="0">
-              <a:solidFill>
-                <a:schemeClr val="bg1"/>
-              </a:solidFill>
-              <a:latin typeface="Montserrat" panose="00000500000000000000" pitchFamily="2" charset="0"/>
-            </a:endParaRPr>
+              <a:t>Controle de versão: GitHub</a:t>
+            </a:r>
           </a:p>
         </p:txBody>
       </p:sp>
@@ -8443,7 +9093,416 @@
 </p:sld>
 </file>
 
-<file path=ppt/slides/slide6.xml><?xml version="1.0" encoding="utf-8"?>
+<file path=ppt/slides/slide8.xml><?xml version="1.0" encoding="utf-8"?>
+<p:sld xmlns:a="http://schemas.openxmlformats.org/drawingml/2006/main" xmlns:r="http://schemas.openxmlformats.org/officeDocument/2006/relationships" xmlns:p="http://schemas.openxmlformats.org/presentationml/2006/main">
+  <p:cSld>
+    <p:bg>
+      <p:bgPr>
+        <a:solidFill>
+          <a:schemeClr val="tx2">
+            <a:lumMod val="50000"/>
+          </a:schemeClr>
+        </a:solidFill>
+        <a:effectLst/>
+      </p:bgPr>
+    </p:bg>
+    <p:spTree>
+      <p:nvGrpSpPr>
+        <p:cNvPr id="1" name="">
+          <a:extLst>
+            <a:ext uri="{FF2B5EF4-FFF2-40B4-BE49-F238E27FC236}">
+              <a16:creationId xmlns:a16="http://schemas.microsoft.com/office/drawing/2014/main" id="{D6DFCADD-67F7-2DF5-76A7-0397E9640FF6}"/>
+            </a:ext>
+          </a:extLst>
+        </p:cNvPr>
+        <p:cNvGrpSpPr/>
+        <p:nvPr/>
+      </p:nvGrpSpPr>
+      <p:grpSpPr>
+        <a:xfrm>
+          <a:off x="0" y="0"/>
+          <a:ext cx="0" cy="0"/>
+          <a:chOff x="0" y="0"/>
+          <a:chExt cx="0" cy="0"/>
+        </a:xfrm>
+      </p:grpSpPr>
+      <p:sp>
+        <p:nvSpPr>
+          <p:cNvPr id="6" name="TextBox 6">
+            <a:extLst>
+              <a:ext uri="{FF2B5EF4-FFF2-40B4-BE49-F238E27FC236}">
+                <a16:creationId xmlns:a16="http://schemas.microsoft.com/office/drawing/2014/main" id="{73356C37-8DCF-30B7-5B55-E999B1007FB9}"/>
+              </a:ext>
+            </a:extLst>
+          </p:cNvPr>
+          <p:cNvSpPr txBox="1"/>
+          <p:nvPr/>
+        </p:nvSpPr>
+        <p:spPr>
+          <a:xfrm>
+            <a:off x="0" y="1148578"/>
+            <a:ext cx="18288000" cy="934936"/>
+          </a:xfrm>
+          <a:prstGeom prst="rect">
+            <a:avLst/>
+          </a:prstGeom>
+        </p:spPr>
+        <p:txBody>
+          <a:bodyPr wrap="square" lIns="0" tIns="0" rIns="0" bIns="0" rtlCol="0" anchor="t">
+            <a:spAutoFit/>
+          </a:bodyPr>
+          <a:lstStyle/>
+          <a:p>
+            <a:pPr algn="ctr">
+              <a:lnSpc>
+                <a:spcPts val="6934"/>
+              </a:lnSpc>
+            </a:pPr>
+            <a:r>
+              <a:rPr lang="pt-BR" sz="8561" spc="-565" dirty="0">
+                <a:solidFill>
+                  <a:srgbClr val="FFFFFF"/>
+                </a:solidFill>
+                <a:latin typeface="Montserrat" panose="00000500000000000000" pitchFamily="2" charset="0"/>
+                <a:ea typeface="Montserrat Ultra-Bold"/>
+                <a:cs typeface="Montserrat Ultra-Bold"/>
+                <a:sym typeface="Montserrat Ultra-Bold"/>
+              </a:rPr>
+              <a:t>Por que o Doce Encontro?</a:t>
+            </a:r>
+            <a:endParaRPr lang="en-US" sz="8561" spc="-565" dirty="0">
+              <a:solidFill>
+                <a:srgbClr val="FFFFFF"/>
+              </a:solidFill>
+              <a:latin typeface="Montserrat" panose="00000500000000000000" pitchFamily="2" charset="0"/>
+              <a:ea typeface="Montserrat Ultra-Bold"/>
+              <a:cs typeface="Montserrat Ultra-Bold"/>
+              <a:sym typeface="Montserrat Ultra-Bold"/>
+            </a:endParaRPr>
+          </a:p>
+        </p:txBody>
+      </p:sp>
+      <p:sp>
+        <p:nvSpPr>
+          <p:cNvPr id="16" name="Freeform 16">
+            <a:extLst>
+              <a:ext uri="{FF2B5EF4-FFF2-40B4-BE49-F238E27FC236}">
+                <a16:creationId xmlns:a16="http://schemas.microsoft.com/office/drawing/2014/main" id="{28640C77-78C3-E554-BB01-7AE1727D92A5}"/>
+              </a:ext>
+            </a:extLst>
+          </p:cNvPr>
+          <p:cNvSpPr/>
+          <p:nvPr/>
+        </p:nvSpPr>
+        <p:spPr>
+          <a:xfrm rot="5400000">
+            <a:off x="-1889361" y="-1882539"/>
+            <a:ext cx="4307057" cy="2357135"/>
+          </a:xfrm>
+          <a:custGeom>
+            <a:avLst/>
+            <a:gdLst/>
+            <a:ahLst/>
+            <a:cxnLst/>
+            <a:rect l="l" t="t" r="r" b="b"/>
+            <a:pathLst>
+              <a:path w="4307057" h="2357135">
+                <a:moveTo>
+                  <a:pt x="0" y="0"/>
+                </a:moveTo>
+                <a:lnTo>
+                  <a:pt x="4307057" y="0"/>
+                </a:lnTo>
+                <a:lnTo>
+                  <a:pt x="4307057" y="2357135"/>
+                </a:lnTo>
+                <a:lnTo>
+                  <a:pt x="0" y="2357135"/>
+                </a:lnTo>
+                <a:lnTo>
+                  <a:pt x="0" y="0"/>
+                </a:lnTo>
+                <a:close/>
+              </a:path>
+            </a:pathLst>
+          </a:custGeom>
+          <a:blipFill>
+            <a:blip r:embed="rId2">
+              <a:extLst>
+                <a:ext uri="{96DAC541-7B7A-43D3-8B79-37D633B846F1}">
+                  <asvg:svgBlip xmlns:asvg="http://schemas.microsoft.com/office/drawing/2016/SVG/main" r:embed="rId3"/>
+                </a:ext>
+              </a:extLst>
+            </a:blip>
+            <a:stretch>
+              <a:fillRect/>
+            </a:stretch>
+          </a:blipFill>
+        </p:spPr>
+        <p:txBody>
+          <a:bodyPr/>
+          <a:lstStyle/>
+          <a:p>
+            <a:endParaRPr lang="pt-BR"/>
+          </a:p>
+        </p:txBody>
+      </p:sp>
+      <p:sp>
+        <p:nvSpPr>
+          <p:cNvPr id="17" name="Freeform 17">
+            <a:extLst>
+              <a:ext uri="{FF2B5EF4-FFF2-40B4-BE49-F238E27FC236}">
+                <a16:creationId xmlns:a16="http://schemas.microsoft.com/office/drawing/2014/main" id="{FAFA999A-5E56-6EE0-74DE-2E7423B42254}"/>
+              </a:ext>
+            </a:extLst>
+          </p:cNvPr>
+          <p:cNvSpPr/>
+          <p:nvPr/>
+        </p:nvSpPr>
+        <p:spPr>
+          <a:xfrm rot="5400000">
+            <a:off x="1795300" y="8073945"/>
+            <a:ext cx="835508" cy="2368709"/>
+          </a:xfrm>
+          <a:custGeom>
+            <a:avLst/>
+            <a:gdLst/>
+            <a:ahLst/>
+            <a:cxnLst/>
+            <a:rect l="l" t="t" r="r" b="b"/>
+            <a:pathLst>
+              <a:path w="835508" h="2368709">
+                <a:moveTo>
+                  <a:pt x="0" y="0"/>
+                </a:moveTo>
+                <a:lnTo>
+                  <a:pt x="835509" y="0"/>
+                </a:lnTo>
+                <a:lnTo>
+                  <a:pt x="835509" y="2368710"/>
+                </a:lnTo>
+                <a:lnTo>
+                  <a:pt x="0" y="2368710"/>
+                </a:lnTo>
+                <a:lnTo>
+                  <a:pt x="0" y="0"/>
+                </a:lnTo>
+                <a:close/>
+              </a:path>
+            </a:pathLst>
+          </a:custGeom>
+          <a:blipFill>
+            <a:blip r:embed="rId4">
+              <a:extLst>
+                <a:ext uri="{96DAC541-7B7A-43D3-8B79-37D633B846F1}">
+                  <asvg:svgBlip xmlns:asvg="http://schemas.microsoft.com/office/drawing/2016/SVG/main" r:embed="rId5"/>
+                </a:ext>
+              </a:extLst>
+            </a:blip>
+            <a:stretch>
+              <a:fillRect/>
+            </a:stretch>
+          </a:blipFill>
+        </p:spPr>
+        <p:txBody>
+          <a:bodyPr/>
+          <a:lstStyle/>
+          <a:p>
+            <a:endParaRPr lang="pt-BR"/>
+          </a:p>
+        </p:txBody>
+      </p:sp>
+      <p:sp>
+        <p:nvSpPr>
+          <p:cNvPr id="18" name="Freeform 18">
+            <a:extLst>
+              <a:ext uri="{FF2B5EF4-FFF2-40B4-BE49-F238E27FC236}">
+                <a16:creationId xmlns:a16="http://schemas.microsoft.com/office/drawing/2014/main" id="{1D754091-9CA2-490E-503B-E827919F5F39}"/>
+              </a:ext>
+            </a:extLst>
+          </p:cNvPr>
+          <p:cNvSpPr/>
+          <p:nvPr/>
+        </p:nvSpPr>
+        <p:spPr>
+          <a:xfrm rot="5400000">
+            <a:off x="14516483" y="10031772"/>
+            <a:ext cx="4307057" cy="2357135"/>
+          </a:xfrm>
+          <a:custGeom>
+            <a:avLst/>
+            <a:gdLst/>
+            <a:ahLst/>
+            <a:cxnLst/>
+            <a:rect l="l" t="t" r="r" b="b"/>
+            <a:pathLst>
+              <a:path w="4307057" h="2357135">
+                <a:moveTo>
+                  <a:pt x="0" y="0"/>
+                </a:moveTo>
+                <a:lnTo>
+                  <a:pt x="4307057" y="0"/>
+                </a:lnTo>
+                <a:lnTo>
+                  <a:pt x="4307057" y="2357135"/>
+                </a:lnTo>
+                <a:lnTo>
+                  <a:pt x="0" y="2357135"/>
+                </a:lnTo>
+                <a:lnTo>
+                  <a:pt x="0" y="0"/>
+                </a:lnTo>
+                <a:close/>
+              </a:path>
+            </a:pathLst>
+          </a:custGeom>
+          <a:blipFill>
+            <a:blip r:embed="rId2">
+              <a:extLst>
+                <a:ext uri="{96DAC541-7B7A-43D3-8B79-37D633B846F1}">
+                  <asvg:svgBlip xmlns:asvg="http://schemas.microsoft.com/office/drawing/2016/SVG/main" r:embed="rId3"/>
+                </a:ext>
+              </a:extLst>
+            </a:blip>
+            <a:stretch>
+              <a:fillRect/>
+            </a:stretch>
+          </a:blipFill>
+        </p:spPr>
+        <p:txBody>
+          <a:bodyPr/>
+          <a:lstStyle/>
+          <a:p>
+            <a:endParaRPr lang="pt-BR"/>
+          </a:p>
+        </p:txBody>
+      </p:sp>
+      <p:sp>
+        <p:nvSpPr>
+          <p:cNvPr id="7" name="TextBox 7">
+            <a:extLst>
+              <a:ext uri="{FF2B5EF4-FFF2-40B4-BE49-F238E27FC236}">
+                <a16:creationId xmlns:a16="http://schemas.microsoft.com/office/drawing/2014/main" id="{6A159B3C-E76E-3F50-1034-32F129023E9F}"/>
+              </a:ext>
+            </a:extLst>
+          </p:cNvPr>
+          <p:cNvSpPr txBox="1"/>
+          <p:nvPr/>
+        </p:nvSpPr>
+        <p:spPr>
+          <a:xfrm>
+            <a:off x="1905000" y="3238500"/>
+            <a:ext cx="15241645" cy="3011017"/>
+          </a:xfrm>
+          <a:prstGeom prst="rect">
+            <a:avLst/>
+          </a:prstGeom>
+        </p:spPr>
+        <p:txBody>
+          <a:bodyPr wrap="square" lIns="0" tIns="0" rIns="0" bIns="0" rtlCol="0" anchor="t">
+            <a:spAutoFit/>
+          </a:bodyPr>
+          <a:lstStyle/>
+          <a:p>
+            <a:pPr marL="457200" indent="-457200">
+              <a:lnSpc>
+                <a:spcPts val="6118"/>
+              </a:lnSpc>
+              <a:buFont typeface="Arial" panose="020B0604020202020204" pitchFamily="34" charset="0"/>
+              <a:buChar char="•"/>
+            </a:pPr>
+            <a:r>
+              <a:rPr lang="pt-BR" sz="2447" b="1" dirty="0">
+                <a:solidFill>
+                  <a:schemeClr val="bg1"/>
+                </a:solidFill>
+                <a:latin typeface="Montserrat" panose="00000500000000000000" pitchFamily="2" charset="0"/>
+                <a:ea typeface="Montserrat Bold"/>
+                <a:cs typeface="Montserrat Bold"/>
+                <a:sym typeface="Montserrat Bold"/>
+              </a:rPr>
+              <a:t>Focado em eventos únicos</a:t>
+            </a:r>
+          </a:p>
+          <a:p>
+            <a:pPr marL="457200" indent="-457200">
+              <a:lnSpc>
+                <a:spcPts val="6118"/>
+              </a:lnSpc>
+              <a:buFont typeface="Arial" panose="020B0604020202020204" pitchFamily="34" charset="0"/>
+              <a:buChar char="•"/>
+            </a:pPr>
+            <a:r>
+              <a:rPr lang="pt-BR" sz="2447" b="1" dirty="0">
+                <a:solidFill>
+                  <a:schemeClr val="bg1"/>
+                </a:solidFill>
+                <a:latin typeface="Montserrat" panose="00000500000000000000" pitchFamily="2" charset="0"/>
+                <a:ea typeface="Montserrat Bold"/>
+                <a:cs typeface="Montserrat Bold"/>
+                <a:sym typeface="Montserrat Bold"/>
+              </a:rPr>
+              <a:t>Simples, elegante e completo para o cliente alvo</a:t>
+            </a:r>
+          </a:p>
+          <a:p>
+            <a:pPr marL="457200" indent="-457200">
+              <a:lnSpc>
+                <a:spcPts val="6118"/>
+              </a:lnSpc>
+              <a:buFont typeface="Arial" panose="020B0604020202020204" pitchFamily="34" charset="0"/>
+              <a:buChar char="•"/>
+            </a:pPr>
+            <a:r>
+              <a:rPr lang="pt-BR" sz="2447" b="1" dirty="0">
+                <a:solidFill>
+                  <a:schemeClr val="bg1"/>
+                </a:solidFill>
+                <a:latin typeface="Montserrat" panose="00000500000000000000" pitchFamily="2" charset="0"/>
+                <a:ea typeface="Montserrat Bold"/>
+                <a:cs typeface="Montserrat Bold"/>
+                <a:sym typeface="Montserrat Bold"/>
+              </a:rPr>
+              <a:t>Entende e transforma a organização de eventos em uma experiência ainda mais especial</a:t>
+            </a:r>
+          </a:p>
+          <a:p>
+            <a:pPr marL="457200" indent="-457200">
+              <a:lnSpc>
+                <a:spcPts val="6118"/>
+              </a:lnSpc>
+              <a:buFont typeface="Arial" panose="020B0604020202020204" pitchFamily="34" charset="0"/>
+              <a:buChar char="•"/>
+            </a:pPr>
+            <a:r>
+              <a:rPr lang="pt-BR" sz="2447" b="1" dirty="0">
+                <a:solidFill>
+                  <a:schemeClr val="bg1"/>
+                </a:solidFill>
+                <a:latin typeface="Montserrat" panose="00000500000000000000" pitchFamily="2" charset="0"/>
+                <a:ea typeface="Montserrat Bold"/>
+                <a:cs typeface="Montserrat Bold"/>
+                <a:sym typeface="Montserrat Bold"/>
+              </a:rPr>
+              <a:t>Pronto para crescer com novas integrações e funcionalidades</a:t>
+            </a:r>
+          </a:p>
+        </p:txBody>
+      </p:sp>
+    </p:spTree>
+    <p:extLst>
+      <p:ext uri="{BB962C8B-B14F-4D97-AF65-F5344CB8AC3E}">
+        <p14:creationId xmlns:p14="http://schemas.microsoft.com/office/powerpoint/2010/main" val="1663024022"/>
+      </p:ext>
+    </p:extLst>
+  </p:cSld>
+  <p:clrMapOvr>
+    <a:masterClrMapping/>
+  </p:clrMapOvr>
+</p:sld>
+</file>
+
+<file path=ppt/slides/slide9.xml><?xml version="1.0" encoding="utf-8"?>
 <p:sld xmlns:a="http://schemas.openxmlformats.org/drawingml/2006/main" xmlns:r="http://schemas.openxmlformats.org/officeDocument/2006/relationships" xmlns:p="http://schemas.openxmlformats.org/presentationml/2006/main">
   <p:cSld>
     <p:bg>
